--- a/infrastructure-week-2.pptx
+++ b/infrastructure-week-2.pptx
@@ -7,17 +7,16 @@
   <p:sldIdLst>
     <p:sldId id="257" r:id="rId2"/>
     <p:sldId id="258" r:id="rId3"/>
-    <p:sldId id="259" r:id="rId4"/>
-    <p:sldId id="260" r:id="rId5"/>
-    <p:sldId id="261" r:id="rId6"/>
-    <p:sldId id="262" r:id="rId7"/>
-    <p:sldId id="263" r:id="rId8"/>
-    <p:sldId id="264" r:id="rId9"/>
-    <p:sldId id="265" r:id="rId10"/>
-    <p:sldId id="266" r:id="rId11"/>
-    <p:sldId id="267" r:id="rId12"/>
-    <p:sldId id="268" r:id="rId13"/>
-    <p:sldId id="270" r:id="rId14"/>
+    <p:sldId id="260" r:id="rId4"/>
+    <p:sldId id="261" r:id="rId5"/>
+    <p:sldId id="262" r:id="rId6"/>
+    <p:sldId id="263" r:id="rId7"/>
+    <p:sldId id="264" r:id="rId8"/>
+    <p:sldId id="265" r:id="rId9"/>
+    <p:sldId id="266" r:id="rId10"/>
+    <p:sldId id="267" r:id="rId11"/>
+    <p:sldId id="268" r:id="rId12"/>
+    <p:sldId id="270" r:id="rId13"/>
   </p:sldIdLst>
   <p:sldSz cx="9144000" cy="6858000" type="screen4x3"/>
   <p:notesSz cx="6858000" cy="9144000"/>
@@ -3240,9 +3239,7 @@
         </p:nvSpPr>
         <p:spPr/>
         <p:txBody>
-          <a:bodyPr>
-            <a:normAutofit/>
-          </a:bodyPr>
+          <a:bodyPr/>
           <a:lstStyle/>
           <a:p>
             <a:r>
@@ -3265,63 +3262,68 @@
         </p:nvSpPr>
         <p:spPr/>
         <p:txBody>
-          <a:bodyPr>
-            <a:normAutofit lnSpcReduction="10000"/>
-          </a:bodyPr>
-          <a:lstStyle/>
-          <a:p>
-            <a:r>
-              <a:rPr lang="en-US" dirty="0" smtClean="0"/>
-              <a:t>History</a:t>
+          <a:bodyPr/>
+          <a:lstStyle/>
+          <a:p>
+            <a:r>
+              <a:rPr lang="en-US" dirty="0" smtClean="0"/>
+              <a:t>We will use Amazon Linux  running on AWS in this course</a:t>
             </a:r>
           </a:p>
           <a:p>
             <a:pPr lvl="1"/>
             <a:r>
               <a:rPr lang="en-US" dirty="0" smtClean="0"/>
-              <a:t>Started by Linus Torvalds in 1991</a:t>
+              <a:t>Rolling release maintained in an AWS AMI</a:t>
             </a:r>
           </a:p>
           <a:p>
             <a:pPr lvl="1"/>
             <a:r>
               <a:rPr lang="en-US" dirty="0" smtClean="0"/>
-              <a:t>Inspired by Unix, developed at AT&amp;T in 1970s</a:t>
+              <a:t>Designed for the AWS ecosystem</a:t>
             </a:r>
           </a:p>
           <a:p>
             <a:pPr lvl="1"/>
             <a:r>
               <a:rPr lang="en-US" dirty="0" smtClean="0"/>
-              <a:t>Linux is not Unix, but uses same concepts</a:t>
-            </a:r>
+              <a:t>Based on Red Hat Enterprise Linux/ </a:t>
+            </a:r>
+            <a:r>
+              <a:rPr lang="en-US" dirty="0" err="1" smtClean="0"/>
+              <a:t>CentOS</a:t>
+            </a:r>
+            <a:endParaRPr lang="en-US" dirty="0" smtClean="0"/>
           </a:p>
           <a:p>
             <a:pPr lvl="1"/>
             <a:r>
               <a:rPr lang="en-US" dirty="0" smtClean="0"/>
-              <a:t>Open Source Software (General Public License)</a:t>
-            </a:r>
-          </a:p>
-          <a:p>
-            <a:r>
-              <a:rPr lang="en-US" dirty="0" smtClean="0"/>
-              <a:t>Runs on cells phones to largest supercomputers</a:t>
-            </a:r>
-          </a:p>
-          <a:p>
-            <a:r>
-              <a:rPr lang="en-US" dirty="0" smtClean="0"/>
-              <a:t>Perfect for supporting service-based application architecture in the cloud</a:t>
-            </a:r>
-            <a:endParaRPr lang="en-US" dirty="0"/>
+              <a:t>Most basic OS concepts are the same across Linux distributions (i.e., Ubuntu, SUSE, </a:t>
+            </a:r>
+            <a:r>
+              <a:rPr lang="en-US" dirty="0" err="1" smtClean="0"/>
+              <a:t>etc</a:t>
+            </a:r>
+            <a:r>
+              <a:rPr lang="en-US" dirty="0" smtClean="0"/>
+              <a:t>)</a:t>
+            </a:r>
+          </a:p>
+          <a:p>
+            <a:pPr lvl="1"/>
+            <a:r>
+              <a:rPr lang="en-US" dirty="0" smtClean="0"/>
+              <a:t>Key differences in package and service management</a:t>
+            </a:r>
           </a:p>
         </p:txBody>
       </p:sp>
     </p:spTree>
     <p:extLst>
       <p:ext uri="{BB962C8B-B14F-4D97-AF65-F5344CB8AC3E}">
-        <p14:creationId xmlns:p14="http://schemas.microsoft.com/office/powerpoint/2010/main" val="3312454313"/>
+        <p14:creationId xmlns:p14="http://schemas.microsoft.com/office/powerpoint/2010/main" val="1286949045"/>
       </p:ext>
     </p:extLst>
   </p:cSld>
@@ -3365,7 +3367,7 @@
           <a:p>
             <a:r>
               <a:rPr lang="en-US" dirty="0" smtClean="0"/>
-              <a:t>Linux</a:t>
+              <a:t>Linux Hands-on</a:t>
             </a:r>
             <a:endParaRPr lang="en-US" dirty="0"/>
           </a:p>
@@ -3388,63 +3390,109 @@
           <a:p>
             <a:r>
               <a:rPr lang="en-US" dirty="0" smtClean="0"/>
-              <a:t>We will use Amazon Linux  running on AWS in this course</a:t>
+              <a:t>Requirements:</a:t>
             </a:r>
           </a:p>
           <a:p>
             <a:pPr lvl="1"/>
             <a:r>
               <a:rPr lang="en-US" dirty="0" smtClean="0"/>
-              <a:t>Rolling release maintained in an AWS AMI</a:t>
+              <a:t>Amazon Linux EC2 micro instance running in a public subnet</a:t>
             </a:r>
           </a:p>
           <a:p>
             <a:pPr lvl="1"/>
             <a:r>
               <a:rPr lang="en-US" dirty="0" smtClean="0"/>
-              <a:t>Designed for the AWS ecosystem</a:t>
+              <a:t>Public/Private access keys for the instance</a:t>
             </a:r>
           </a:p>
           <a:p>
             <a:pPr lvl="1"/>
             <a:r>
               <a:rPr lang="en-US" dirty="0" smtClean="0"/>
-              <a:t>Based on Red Hat Enterprise Linux/ </a:t>
+              <a:t>SSH Client</a:t>
+            </a:r>
+          </a:p>
+          <a:p>
+            <a:pPr lvl="2"/>
+            <a:r>
+              <a:rPr lang="en-US" dirty="0" smtClean="0"/>
+              <a:t>Windows -&gt; </a:t>
             </a:r>
             <a:r>
               <a:rPr lang="en-US" dirty="0" err="1" smtClean="0"/>
-              <a:t>CentOS</a:t>
-            </a:r>
+              <a:t>PuTTY</a:t>
+            </a:r>
+            <a:r>
+              <a:rPr lang="en-US" dirty="0" smtClean="0"/>
+              <a:t> (</a:t>
+            </a:r>
+            <a:r>
+              <a:rPr lang="en-US" dirty="0" smtClean="0">
+                <a:hlinkClick r:id="rId2"/>
+              </a:rPr>
+              <a:t>www.putty.org</a:t>
+            </a:r>
+            <a:r>
+              <a:rPr lang="en-US" dirty="0" smtClean="0"/>
+              <a:t>)</a:t>
+            </a:r>
+          </a:p>
+          <a:p>
+            <a:pPr lvl="2"/>
+            <a:r>
+              <a:rPr lang="en-US" dirty="0" err="1" smtClean="0"/>
+              <a:t>MacOS</a:t>
+            </a:r>
+            <a:r>
+              <a:rPr lang="en-US" dirty="0" smtClean="0"/>
+              <a:t> -&gt; Terminal (built-in) or iTerm2 (</a:t>
+            </a:r>
+            <a:r>
+              <a:rPr lang="en-US" dirty="0" smtClean="0">
+                <a:hlinkClick r:id="rId3"/>
+              </a:rPr>
+              <a:t>www.iterm2.com</a:t>
+            </a:r>
+            <a:r>
+              <a:rPr lang="en-US" dirty="0" smtClean="0"/>
+              <a:t>)</a:t>
+            </a:r>
+          </a:p>
+          <a:p>
+            <a:pPr lvl="2"/>
+            <a:r>
+              <a:rPr lang="en-US" dirty="0" smtClean="0"/>
+              <a:t>Linux </a:t>
+            </a:r>
+            <a:r>
+              <a:rPr lang="en-US" dirty="0" err="1" smtClean="0"/>
+              <a:t>vm</a:t>
+            </a:r>
+            <a:r>
+              <a:rPr lang="en-US" dirty="0" smtClean="0"/>
+              <a:t> -&gt; </a:t>
+            </a:r>
+            <a:r>
+              <a:rPr lang="en-US" dirty="0" err="1" smtClean="0"/>
+              <a:t>xterm</a:t>
+            </a:r>
+            <a:r>
+              <a:rPr lang="en-US" dirty="0" smtClean="0"/>
+              <a:t> or other terminal</a:t>
+            </a:r>
+          </a:p>
+          <a:p>
+            <a:pPr lvl="2"/>
             <a:endParaRPr lang="en-US" dirty="0" smtClean="0"/>
-          </a:p>
-          <a:p>
-            <a:pPr lvl="1"/>
-            <a:r>
-              <a:rPr lang="en-US" dirty="0" smtClean="0"/>
-              <a:t>Most basic OS concepts are the same across Linux distributions (i.e., Ubuntu, SUSE, </a:t>
-            </a:r>
-            <a:r>
-              <a:rPr lang="en-US" dirty="0" err="1" smtClean="0"/>
-              <a:t>etc</a:t>
-            </a:r>
-            <a:r>
-              <a:rPr lang="en-US" dirty="0" smtClean="0"/>
-              <a:t>)</a:t>
-            </a:r>
-          </a:p>
-          <a:p>
-            <a:pPr lvl="1"/>
-            <a:r>
-              <a:rPr lang="en-US" dirty="0" smtClean="0"/>
-              <a:t>Key differences in package and service management</a:t>
-            </a:r>
           </a:p>
         </p:txBody>
       </p:sp>
     </p:spTree>
     <p:extLst>
       <p:ext uri="{BB962C8B-B14F-4D97-AF65-F5344CB8AC3E}">
-        <p14:creationId xmlns:p14="http://schemas.microsoft.com/office/powerpoint/2010/main" val="1286949045"/>
+        <p14:creationId xmlns:p14="http://schemas.microsoft.com/office/powerpoint/2010/main" val="343409956"/>
       </p:ext>
     </p:extLst>
   </p:cSld>
@@ -3488,175 +3536,6 @@
           <a:p>
             <a:r>
               <a:rPr lang="en-US" dirty="0" smtClean="0"/>
-              <a:t>Linux Hands-on</a:t>
-            </a:r>
-            <a:endParaRPr lang="en-US" dirty="0"/>
-          </a:p>
-        </p:txBody>
-      </p:sp>
-      <p:sp>
-        <p:nvSpPr>
-          <p:cNvPr id="3" name="Content Placeholder 2"/>
-          <p:cNvSpPr>
-            <a:spLocks noGrp="1"/>
-          </p:cNvSpPr>
-          <p:nvPr>
-            <p:ph idx="1"/>
-          </p:nvPr>
-        </p:nvSpPr>
-        <p:spPr/>
-        <p:txBody>
-          <a:bodyPr/>
-          <a:lstStyle/>
-          <a:p>
-            <a:r>
-              <a:rPr lang="en-US" dirty="0" smtClean="0"/>
-              <a:t>Requirements:</a:t>
-            </a:r>
-          </a:p>
-          <a:p>
-            <a:pPr lvl="1"/>
-            <a:r>
-              <a:rPr lang="en-US" dirty="0" smtClean="0"/>
-              <a:t>Amazon Linux EC2 micro instance running in a public subnet</a:t>
-            </a:r>
-          </a:p>
-          <a:p>
-            <a:pPr lvl="1"/>
-            <a:r>
-              <a:rPr lang="en-US" dirty="0" smtClean="0"/>
-              <a:t>Public/Private access keys for the instance</a:t>
-            </a:r>
-          </a:p>
-          <a:p>
-            <a:pPr lvl="1"/>
-            <a:r>
-              <a:rPr lang="en-US" dirty="0" smtClean="0"/>
-              <a:t>SSH Client</a:t>
-            </a:r>
-          </a:p>
-          <a:p>
-            <a:pPr lvl="2"/>
-            <a:r>
-              <a:rPr lang="en-US" dirty="0" smtClean="0"/>
-              <a:t>Windows -&gt; </a:t>
-            </a:r>
-            <a:r>
-              <a:rPr lang="en-US" dirty="0" err="1" smtClean="0"/>
-              <a:t>PuTTY</a:t>
-            </a:r>
-            <a:r>
-              <a:rPr lang="en-US" dirty="0" smtClean="0"/>
-              <a:t> (</a:t>
-            </a:r>
-            <a:r>
-              <a:rPr lang="en-US" dirty="0" smtClean="0">
-                <a:hlinkClick r:id="rId2"/>
-              </a:rPr>
-              <a:t>www.putty.org</a:t>
-            </a:r>
-            <a:r>
-              <a:rPr lang="en-US" dirty="0" smtClean="0"/>
-              <a:t>)</a:t>
-            </a:r>
-          </a:p>
-          <a:p>
-            <a:pPr lvl="2"/>
-            <a:r>
-              <a:rPr lang="en-US" dirty="0" err="1" smtClean="0"/>
-              <a:t>MacOS</a:t>
-            </a:r>
-            <a:r>
-              <a:rPr lang="en-US" dirty="0" smtClean="0"/>
-              <a:t> -&gt; Terminal (built-in) or iTerm2 (</a:t>
-            </a:r>
-            <a:r>
-              <a:rPr lang="en-US" dirty="0" smtClean="0">
-                <a:hlinkClick r:id="rId3"/>
-              </a:rPr>
-              <a:t>www.iterm2.com</a:t>
-            </a:r>
-            <a:r>
-              <a:rPr lang="en-US" dirty="0" smtClean="0"/>
-              <a:t>)</a:t>
-            </a:r>
-          </a:p>
-          <a:p>
-            <a:pPr lvl="2"/>
-            <a:r>
-              <a:rPr lang="en-US" dirty="0" smtClean="0"/>
-              <a:t>Linux </a:t>
-            </a:r>
-            <a:r>
-              <a:rPr lang="en-US" dirty="0" err="1" smtClean="0"/>
-              <a:t>vm</a:t>
-            </a:r>
-            <a:r>
-              <a:rPr lang="en-US" dirty="0" smtClean="0"/>
-              <a:t> -&gt; </a:t>
-            </a:r>
-            <a:r>
-              <a:rPr lang="en-US" dirty="0" err="1" smtClean="0"/>
-              <a:t>xterm</a:t>
-            </a:r>
-            <a:r>
-              <a:rPr lang="en-US" dirty="0" smtClean="0"/>
-              <a:t> or other terminal</a:t>
-            </a:r>
-          </a:p>
-          <a:p>
-            <a:pPr lvl="2"/>
-            <a:endParaRPr lang="en-US" dirty="0" smtClean="0"/>
-          </a:p>
-        </p:txBody>
-      </p:sp>
-    </p:spTree>
-    <p:extLst>
-      <p:ext uri="{BB962C8B-B14F-4D97-AF65-F5344CB8AC3E}">
-        <p14:creationId xmlns:p14="http://schemas.microsoft.com/office/powerpoint/2010/main" val="343409956"/>
-      </p:ext>
-    </p:extLst>
-  </p:cSld>
-  <p:clrMapOvr>
-    <a:masterClrMapping/>
-  </p:clrMapOvr>
-</p:sld>
-</file>
-
-<file path=ppt/slides/slide13.xml><?xml version="1.0" encoding="utf-8"?>
-<p:sld xmlns:a="http://schemas.openxmlformats.org/drawingml/2006/main" xmlns:r="http://schemas.openxmlformats.org/officeDocument/2006/relationships" xmlns:p="http://schemas.openxmlformats.org/presentationml/2006/main">
-  <p:cSld>
-    <p:spTree>
-      <p:nvGrpSpPr>
-        <p:cNvPr id="1" name=""/>
-        <p:cNvGrpSpPr/>
-        <p:nvPr/>
-      </p:nvGrpSpPr>
-      <p:grpSpPr>
-        <a:xfrm>
-          <a:off x="0" y="0"/>
-          <a:ext cx="0" cy="0"/>
-          <a:chOff x="0" y="0"/>
-          <a:chExt cx="0" cy="0"/>
-        </a:xfrm>
-      </p:grpSpPr>
-      <p:sp>
-        <p:nvSpPr>
-          <p:cNvPr id="2" name="Title 1"/>
-          <p:cNvSpPr>
-            <a:spLocks noGrp="1"/>
-          </p:cNvSpPr>
-          <p:nvPr>
-            <p:ph type="title"/>
-          </p:nvPr>
-        </p:nvSpPr>
-        <p:spPr/>
-        <p:txBody>
-          <a:bodyPr/>
-          <a:lstStyle/>
-          <a:p>
-            <a:r>
-              <a:rPr lang="en-US" dirty="0" smtClean="0"/>
               <a:t>Homework</a:t>
             </a:r>
             <a:endParaRPr lang="en-US" dirty="0"/>
@@ -3711,6 +3590,17 @@
               <a:rPr lang="en-US" dirty="0" smtClean="0"/>
               <a:t>Read Web Operations Chapter 15</a:t>
             </a:r>
+          </a:p>
+          <a:p>
+            <a:r>
+              <a:rPr lang="en-US" dirty="0" smtClean="0"/>
+              <a:t>Finish reading Linux Hands-</a:t>
+            </a:r>
+            <a:r>
+              <a:rPr lang="en-US" smtClean="0"/>
+              <a:t>on Guide</a:t>
+            </a:r>
+            <a:endParaRPr lang="en-US" dirty="0" smtClean="0"/>
           </a:p>
           <a:p>
             <a:endParaRPr lang="en-US" dirty="0"/>
@@ -3844,166 +3734,6 @@
 </file>
 
 <file path=ppt/slides/slide3.xml><?xml version="1.0" encoding="utf-8"?>
-<p:sld xmlns:a="http://schemas.openxmlformats.org/drawingml/2006/main" xmlns:r="http://schemas.openxmlformats.org/officeDocument/2006/relationships" xmlns:p="http://schemas.openxmlformats.org/presentationml/2006/main">
-  <p:cSld>
-    <p:spTree>
-      <p:nvGrpSpPr>
-        <p:cNvPr id="1" name=""/>
-        <p:cNvGrpSpPr/>
-        <p:nvPr/>
-      </p:nvGrpSpPr>
-      <p:grpSpPr>
-        <a:xfrm>
-          <a:off x="0" y="0"/>
-          <a:ext cx="0" cy="0"/>
-          <a:chOff x="0" y="0"/>
-          <a:chExt cx="0" cy="0"/>
-        </a:xfrm>
-      </p:grpSpPr>
-      <p:sp>
-        <p:nvSpPr>
-          <p:cNvPr id="2" name="Title 1"/>
-          <p:cNvSpPr>
-            <a:spLocks noGrp="1"/>
-          </p:cNvSpPr>
-          <p:nvPr>
-            <p:ph type="title"/>
-          </p:nvPr>
-        </p:nvSpPr>
-        <p:spPr/>
-        <p:txBody>
-          <a:bodyPr/>
-          <a:lstStyle/>
-          <a:p>
-            <a:r>
-              <a:rPr lang="en-US" dirty="0" smtClean="0"/>
-              <a:t>Readings</a:t>
-            </a:r>
-            <a:endParaRPr lang="en-US" dirty="0"/>
-          </a:p>
-        </p:txBody>
-      </p:sp>
-      <p:sp>
-        <p:nvSpPr>
-          <p:cNvPr id="3" name="Content Placeholder 2"/>
-          <p:cNvSpPr>
-            <a:spLocks noGrp="1"/>
-          </p:cNvSpPr>
-          <p:nvPr>
-            <p:ph idx="1"/>
-          </p:nvPr>
-        </p:nvSpPr>
-        <p:spPr/>
-        <p:txBody>
-          <a:bodyPr>
-            <a:normAutofit lnSpcReduction="10000"/>
-          </a:bodyPr>
-          <a:lstStyle/>
-          <a:p>
-            <a:r>
-              <a:rPr lang="en-US" dirty="0" smtClean="0"/>
-              <a:t>Web Operations Chapter 1: The Career</a:t>
-            </a:r>
-            <a:endParaRPr lang="en-US" dirty="0"/>
-          </a:p>
-          <a:p>
-            <a:pPr lvl="1"/>
-            <a:r>
-              <a:rPr lang="en-US" dirty="0" smtClean="0"/>
-              <a:t>Web Operations/ Site Reliability Engineer (SRE)</a:t>
-            </a:r>
-          </a:p>
-          <a:p>
-            <a:pPr lvl="2"/>
-            <a:r>
-              <a:rPr lang="en-US" dirty="0" smtClean="0"/>
-              <a:t>Modern-day system architect/admin/engineer</a:t>
-            </a:r>
-            <a:endParaRPr lang="en-US" dirty="0"/>
-          </a:p>
-          <a:p>
-            <a:pPr lvl="2"/>
-            <a:r>
-              <a:rPr lang="en-US" dirty="0" smtClean="0"/>
-              <a:t>Requires multi-disciplinary technology background</a:t>
-            </a:r>
-          </a:p>
-          <a:p>
-            <a:pPr lvl="2"/>
-            <a:r>
-              <a:rPr lang="en-US" dirty="0" smtClean="0"/>
-              <a:t>Broad knowledge </a:t>
-            </a:r>
-            <a:r>
-              <a:rPr lang="en-US" dirty="0" err="1" smtClean="0"/>
-              <a:t>vs</a:t>
-            </a:r>
-            <a:r>
-              <a:rPr lang="en-US" dirty="0" smtClean="0"/>
-              <a:t> deep</a:t>
-            </a:r>
-          </a:p>
-          <a:p>
-            <a:pPr lvl="1"/>
-            <a:r>
-              <a:rPr lang="en-US" dirty="0" smtClean="0"/>
-              <a:t>Knowledge vs. experience</a:t>
-            </a:r>
-          </a:p>
-          <a:p>
-            <a:pPr lvl="2"/>
-            <a:r>
-              <a:rPr lang="en-US" dirty="0" smtClean="0"/>
-              <a:t>Knowledge = studying of experiences of others (like this class!)</a:t>
-            </a:r>
-          </a:p>
-          <a:p>
-            <a:pPr lvl="2"/>
-            <a:r>
-              <a:rPr lang="en-US" dirty="0" smtClean="0"/>
-              <a:t>Experience = the process of making and surviving bad judgments</a:t>
-            </a:r>
-          </a:p>
-        </p:txBody>
-      </p:sp>
-      <p:pic>
-        <p:nvPicPr>
-          <p:cNvPr id="4" name="Picture 3"/>
-          <p:cNvPicPr>
-            <a:picLocks noChangeAspect="1"/>
-          </p:cNvPicPr>
-          <p:nvPr/>
-        </p:nvPicPr>
-        <p:blipFill>
-          <a:blip r:embed="rId2"/>
-          <a:stretch>
-            <a:fillRect/>
-          </a:stretch>
-        </p:blipFill>
-        <p:spPr>
-          <a:xfrm>
-            <a:off x="7333612" y="274638"/>
-            <a:ext cx="1012102" cy="1325562"/>
-          </a:xfrm>
-          <a:prstGeom prst="rect">
-            <a:avLst/>
-          </a:prstGeom>
-        </p:spPr>
-      </p:pic>
-    </p:spTree>
-    <p:extLst>
-      <p:ext uri="{BB962C8B-B14F-4D97-AF65-F5344CB8AC3E}">
-        <p14:creationId xmlns:p14="http://schemas.microsoft.com/office/powerpoint/2010/main" val="18783017"/>
-      </p:ext>
-    </p:extLst>
-  </p:cSld>
-  <p:clrMapOvr>
-    <a:masterClrMapping/>
-  </p:clrMapOvr>
-</p:sld>
-</file>
-
-<file path=ppt/slides/slide4.xml><?xml version="1.0" encoding="utf-8"?>
 <p:sld xmlns:a="http://schemas.openxmlformats.org/drawingml/2006/main" xmlns:r="http://schemas.openxmlformats.org/officeDocument/2006/relationships" xmlns:p="http://schemas.openxmlformats.org/presentationml/2006/main">
   <p:cSld>
     <p:spTree>
@@ -4151,6 +3881,150 @@
 </p:sld>
 </file>
 
+<file path=ppt/slides/slide4.xml><?xml version="1.0" encoding="utf-8"?>
+<p:sld xmlns:a="http://schemas.openxmlformats.org/drawingml/2006/main" xmlns:r="http://schemas.openxmlformats.org/officeDocument/2006/relationships" xmlns:p="http://schemas.openxmlformats.org/presentationml/2006/main">
+  <p:cSld>
+    <p:spTree>
+      <p:nvGrpSpPr>
+        <p:cNvPr id="1" name=""/>
+        <p:cNvGrpSpPr/>
+        <p:nvPr/>
+      </p:nvGrpSpPr>
+      <p:grpSpPr>
+        <a:xfrm>
+          <a:off x="0" y="0"/>
+          <a:ext cx="0" cy="0"/>
+          <a:chOff x="0" y="0"/>
+          <a:chExt cx="0" cy="0"/>
+        </a:xfrm>
+      </p:grpSpPr>
+      <p:sp>
+        <p:nvSpPr>
+          <p:cNvPr id="2" name="Title 1"/>
+          <p:cNvSpPr>
+            <a:spLocks noGrp="1"/>
+          </p:cNvSpPr>
+          <p:nvPr>
+            <p:ph type="title"/>
+          </p:nvPr>
+        </p:nvSpPr>
+        <p:spPr/>
+        <p:txBody>
+          <a:bodyPr/>
+          <a:lstStyle/>
+          <a:p>
+            <a:r>
+              <a:rPr lang="en-US" dirty="0" smtClean="0"/>
+              <a:t>Readings</a:t>
+            </a:r>
+            <a:endParaRPr lang="en-US" dirty="0"/>
+          </a:p>
+        </p:txBody>
+      </p:sp>
+      <p:sp>
+        <p:nvSpPr>
+          <p:cNvPr id="3" name="Content Placeholder 2"/>
+          <p:cNvSpPr>
+            <a:spLocks noGrp="1"/>
+          </p:cNvSpPr>
+          <p:nvPr>
+            <p:ph idx="1"/>
+          </p:nvPr>
+        </p:nvSpPr>
+        <p:spPr/>
+        <p:txBody>
+          <a:bodyPr>
+            <a:normAutofit fontScale="92500" lnSpcReduction="10000"/>
+          </a:bodyPr>
+          <a:lstStyle/>
+          <a:p>
+            <a:r>
+              <a:rPr lang="en-US" dirty="0" smtClean="0"/>
+              <a:t>Automation approaches:</a:t>
+            </a:r>
+          </a:p>
+          <a:p>
+            <a:pPr lvl="1"/>
+            <a:r>
+              <a:rPr lang="en-US" dirty="0" smtClean="0"/>
+              <a:t>Left-Over Principle: automate everything possible</a:t>
+            </a:r>
+          </a:p>
+          <a:p>
+            <a:pPr lvl="2"/>
+            <a:r>
+              <a:rPr lang="en-US" dirty="0" smtClean="0"/>
+              <a:t>Easy/rare = manual </a:t>
+            </a:r>
+          </a:p>
+          <a:p>
+            <a:pPr lvl="2"/>
+            <a:r>
+              <a:rPr lang="en-US" dirty="0" smtClean="0"/>
+              <a:t>Easy/frequent = automate</a:t>
+            </a:r>
+          </a:p>
+          <a:p>
+            <a:pPr lvl="2"/>
+            <a:r>
+              <a:rPr lang="en-US" dirty="0" smtClean="0"/>
+              <a:t>Difficult/rare = manual (document)</a:t>
+            </a:r>
+          </a:p>
+          <a:p>
+            <a:pPr lvl="2"/>
+            <a:r>
+              <a:rPr lang="en-US" dirty="0" smtClean="0"/>
+              <a:t>Difficult/frequent = automate (but maybe acquire)</a:t>
+            </a:r>
+          </a:p>
+          <a:p>
+            <a:pPr lvl="1"/>
+            <a:r>
+              <a:rPr lang="en-US" dirty="0" smtClean="0"/>
+              <a:t>Compensatory Principle</a:t>
+            </a:r>
+          </a:p>
+          <a:p>
+            <a:pPr lvl="2"/>
+            <a:r>
+              <a:rPr lang="en-US" dirty="0" smtClean="0"/>
+              <a:t>People aren’t infinitely versatile machines</a:t>
+            </a:r>
+          </a:p>
+          <a:p>
+            <a:pPr lvl="2"/>
+            <a:r>
+              <a:rPr lang="en-US" dirty="0" smtClean="0"/>
+              <a:t>Machines do some things better than people and vice-versa</a:t>
+            </a:r>
+          </a:p>
+          <a:p>
+            <a:pPr lvl="2"/>
+            <a:r>
+              <a:rPr lang="en-US" dirty="0" smtClean="0"/>
+              <a:t>Example: machines better at polling remote hosts every 5 minutes for performance metrics</a:t>
+            </a:r>
+          </a:p>
+          <a:p>
+            <a:pPr lvl="1"/>
+            <a:endParaRPr lang="en-US" dirty="0"/>
+          </a:p>
+        </p:txBody>
+      </p:sp>
+    </p:spTree>
+    <p:extLst>
+      <p:ext uri="{BB962C8B-B14F-4D97-AF65-F5344CB8AC3E}">
+        <p14:creationId xmlns:p14="http://schemas.microsoft.com/office/powerpoint/2010/main" val="2262114456"/>
+      </p:ext>
+    </p:extLst>
+  </p:cSld>
+  <p:clrMapOvr>
+    <a:masterClrMapping/>
+  </p:clrMapOvr>
+</p:sld>
+</file>
+
 <file path=ppt/slides/slide5.xml><?xml version="1.0" encoding="utf-8"?>
 <p:sld xmlns:a="http://schemas.openxmlformats.org/drawingml/2006/main" xmlns:r="http://schemas.openxmlformats.org/officeDocument/2006/relationships" xmlns:p="http://schemas.openxmlformats.org/presentationml/2006/main">
   <p:cSld>
@@ -4204,7 +4078,7 @@
         <p:spPr/>
         <p:txBody>
           <a:bodyPr>
-            <a:normAutofit fontScale="92500" lnSpcReduction="10000"/>
+            <a:normAutofit fontScale="85000" lnSpcReduction="10000"/>
           </a:bodyPr>
           <a:lstStyle/>
           <a:p>
@@ -4217,75 +4091,63 @@
             <a:pPr lvl="1"/>
             <a:r>
               <a:rPr lang="en-US" dirty="0" smtClean="0"/>
-              <a:t>Left-Over Principle: automate everything possible</a:t>
+              <a:t>Complementarity Principle</a:t>
             </a:r>
           </a:p>
           <a:p>
             <a:pPr lvl="2"/>
             <a:r>
               <a:rPr lang="en-US" dirty="0" smtClean="0"/>
-              <a:t>Easy/rare = manual </a:t>
+              <a:t>The more a system is automated, the less people understand how the system works</a:t>
             </a:r>
           </a:p>
           <a:p>
             <a:pPr lvl="2"/>
             <a:r>
               <a:rPr lang="en-US" dirty="0" smtClean="0"/>
-              <a:t>Easy/frequent = automate</a:t>
+              <a:t>Try to strike a balance between automation and future growth in learning</a:t>
+            </a:r>
+          </a:p>
+          <a:p>
+            <a:r>
+              <a:rPr lang="en-US" dirty="0" smtClean="0"/>
+              <a:t>Tool building vs. automation</a:t>
+            </a:r>
+          </a:p>
+          <a:p>
+            <a:pPr lvl="1"/>
+            <a:r>
+              <a:rPr lang="en-US" dirty="0" smtClean="0"/>
+              <a:t>Tools improve a manual task so that it can be done better</a:t>
             </a:r>
           </a:p>
           <a:p>
             <a:pPr lvl="2"/>
             <a:r>
               <a:rPr lang="en-US" dirty="0" smtClean="0"/>
-              <a:t>Difficult/rare = manual (document)</a:t>
+              <a:t>Self-service web interface allowing user to launch a new server</a:t>
+            </a:r>
+          </a:p>
+          <a:p>
+            <a:pPr lvl="1"/>
+            <a:r>
+              <a:rPr lang="en-US" dirty="0" smtClean="0"/>
+              <a:t>Automation eliminates the need to perform a manual task</a:t>
             </a:r>
           </a:p>
           <a:p>
             <a:pPr lvl="2"/>
             <a:r>
               <a:rPr lang="en-US" dirty="0" smtClean="0"/>
-              <a:t>Difficult/frequent = automate (but maybe acquire)</a:t>
-            </a:r>
-          </a:p>
-          <a:p>
-            <a:pPr lvl="1"/>
-            <a:r>
-              <a:rPr lang="en-US" dirty="0" smtClean="0"/>
-              <a:t>Compensatory Principle</a:t>
-            </a:r>
-          </a:p>
-          <a:p>
-            <a:pPr lvl="2"/>
-            <a:r>
-              <a:rPr lang="en-US" dirty="0" smtClean="0"/>
-              <a:t>People aren’t infinitely versatile machines</a:t>
-            </a:r>
-          </a:p>
-          <a:p>
-            <a:pPr lvl="2"/>
-            <a:r>
-              <a:rPr lang="en-US" dirty="0" smtClean="0"/>
-              <a:t>Machines do some things better than people and vice-versa</a:t>
-            </a:r>
-          </a:p>
-          <a:p>
-            <a:pPr lvl="2"/>
-            <a:r>
-              <a:rPr lang="en-US" dirty="0" smtClean="0"/>
-              <a:t>Example: machines better at polling remote hosts every 5 minutes for performance metrics</a:t>
-            </a:r>
-          </a:p>
-          <a:p>
-            <a:pPr lvl="1"/>
-            <a:endParaRPr lang="en-US" dirty="0"/>
+              <a:t>Auto-scaling service that automatically launches a server based on predefined trigger</a:t>
+            </a:r>
           </a:p>
         </p:txBody>
       </p:sp>
     </p:spTree>
     <p:extLst>
       <p:ext uri="{BB962C8B-B14F-4D97-AF65-F5344CB8AC3E}">
-        <p14:creationId xmlns:p14="http://schemas.microsoft.com/office/powerpoint/2010/main" val="2262114456"/>
+        <p14:creationId xmlns:p14="http://schemas.microsoft.com/office/powerpoint/2010/main" val="3933324911"/>
       </p:ext>
     </p:extLst>
   </p:cSld>
@@ -4348,80 +4210,83 @@
         <p:spPr/>
         <p:txBody>
           <a:bodyPr>
-            <a:normAutofit fontScale="85000" lnSpcReduction="10000"/>
+            <a:normAutofit/>
           </a:bodyPr>
           <a:lstStyle/>
           <a:p>
             <a:r>
               <a:rPr lang="en-US" dirty="0" smtClean="0"/>
-              <a:t>Automation approaches:</a:t>
+              <a:t>Goals of automation:</a:t>
             </a:r>
           </a:p>
           <a:p>
             <a:pPr lvl="1"/>
             <a:r>
-              <a:rPr lang="en-US" dirty="0" smtClean="0"/>
-              <a:t>Complementarity Principle</a:t>
-            </a:r>
-          </a:p>
-          <a:p>
-            <a:pPr lvl="2"/>
-            <a:r>
-              <a:rPr lang="en-US" smtClean="0"/>
-              <a:t>The </a:t>
-            </a:r>
-            <a:r>
-              <a:rPr lang="en-US" dirty="0" smtClean="0"/>
-              <a:t>more a system is automated, the less people understand how the system works</a:t>
-            </a:r>
-          </a:p>
-          <a:p>
-            <a:pPr lvl="2"/>
-            <a:r>
-              <a:rPr lang="en-US" dirty="0" smtClean="0"/>
-              <a:t>Try to strike a balance between automation and future growth in learning</a:t>
-            </a:r>
-          </a:p>
-          <a:p>
-            <a:r>
-              <a:rPr lang="en-US" dirty="0" smtClean="0"/>
-              <a:t>Tool building vs. automation</a:t>
+              <a:rPr lang="en-US" b="1" dirty="0" smtClean="0"/>
+              <a:t>Help scaling</a:t>
+            </a:r>
+            <a:r>
+              <a:rPr lang="en-US" dirty="0" smtClean="0"/>
+              <a:t>: one person performs the work of many</a:t>
             </a:r>
           </a:p>
           <a:p>
             <a:pPr lvl="1"/>
             <a:r>
-              <a:rPr lang="en-US" dirty="0" smtClean="0"/>
-              <a:t>Tools improve a manual task so that it can be done better</a:t>
-            </a:r>
-          </a:p>
-          <a:p>
-            <a:pPr lvl="2"/>
-            <a:r>
-              <a:rPr lang="en-US" dirty="0" smtClean="0"/>
-              <a:t>Self-service web interface allowing user to launch a new server</a:t>
+              <a:rPr lang="en-US" b="1" dirty="0" smtClean="0"/>
+              <a:t>Improve accuracy/ repeatability</a:t>
+            </a:r>
+            <a:r>
+              <a:rPr lang="en-US" dirty="0" smtClean="0"/>
+              <a:t>: perform task same way every time</a:t>
             </a:r>
           </a:p>
           <a:p>
             <a:pPr lvl="1"/>
             <a:r>
-              <a:rPr lang="en-US" dirty="0" smtClean="0"/>
-              <a:t>Automation eliminates the need to perform a manual task</a:t>
-            </a:r>
-          </a:p>
-          <a:p>
-            <a:pPr lvl="2"/>
-            <a:r>
-              <a:rPr lang="en-US" dirty="0" smtClean="0"/>
-              <a:t>Auto-scaling service that automatically launches a server based on predefined trigger</a:t>
-            </a:r>
+              <a:rPr lang="en-US" b="1" dirty="0" smtClean="0"/>
+              <a:t>Save time</a:t>
+            </a:r>
+            <a:r>
+              <a:rPr lang="en-US" dirty="0" smtClean="0"/>
+              <a:t>: perform task faster than human</a:t>
+            </a:r>
+          </a:p>
+          <a:p>
+            <a:pPr lvl="1"/>
+            <a:r>
+              <a:rPr lang="en-US" b="1" dirty="0" smtClean="0"/>
+              <a:t>Make processes safer</a:t>
+            </a:r>
+            <a:r>
+              <a:rPr lang="en-US" dirty="0" smtClean="0"/>
+              <a:t>: eliminate mistakes</a:t>
+            </a:r>
+          </a:p>
+          <a:p>
+            <a:pPr lvl="1"/>
+            <a:r>
+              <a:rPr lang="en-US" b="1" dirty="0" smtClean="0"/>
+              <a:t>Empower users</a:t>
+            </a:r>
+            <a:r>
+              <a:rPr lang="en-US" dirty="0" smtClean="0"/>
+              <a:t>: let’s less experienced people perform complex tasks</a:t>
+            </a:r>
+          </a:p>
+          <a:p>
+            <a:endParaRPr lang="en-US" dirty="0" smtClean="0"/>
+          </a:p>
+          <a:p>
+            <a:pPr lvl="1"/>
+            <a:endParaRPr lang="en-US" dirty="0" smtClean="0"/>
           </a:p>
         </p:txBody>
       </p:sp>
     </p:spTree>
     <p:extLst>
       <p:ext uri="{BB962C8B-B14F-4D97-AF65-F5344CB8AC3E}">
-        <p14:creationId xmlns:p14="http://schemas.microsoft.com/office/powerpoint/2010/main" val="3933324911"/>
+        <p14:creationId xmlns:p14="http://schemas.microsoft.com/office/powerpoint/2010/main" val="3301385349"/>
       </p:ext>
     </p:extLst>
   </p:cSld>
@@ -4484,145 +4349,6 @@
         <p:spPr/>
         <p:txBody>
           <a:bodyPr>
-            <a:normAutofit/>
-          </a:bodyPr>
-          <a:lstStyle/>
-          <a:p>
-            <a:r>
-              <a:rPr lang="en-US" dirty="0" smtClean="0"/>
-              <a:t>Goals of automation:</a:t>
-            </a:r>
-          </a:p>
-          <a:p>
-            <a:pPr lvl="1"/>
-            <a:r>
-              <a:rPr lang="en-US" b="1" dirty="0" smtClean="0"/>
-              <a:t>Help scaling</a:t>
-            </a:r>
-            <a:r>
-              <a:rPr lang="en-US" dirty="0" smtClean="0"/>
-              <a:t>: one person performs the work of many</a:t>
-            </a:r>
-          </a:p>
-          <a:p>
-            <a:pPr lvl="1"/>
-            <a:r>
-              <a:rPr lang="en-US" b="1" dirty="0" smtClean="0"/>
-              <a:t>Improve accuracy/ repeatability</a:t>
-            </a:r>
-            <a:r>
-              <a:rPr lang="en-US" dirty="0" smtClean="0"/>
-              <a:t>: perform task same way every time</a:t>
-            </a:r>
-          </a:p>
-          <a:p>
-            <a:pPr lvl="1"/>
-            <a:r>
-              <a:rPr lang="en-US" b="1" dirty="0" smtClean="0"/>
-              <a:t>Save time</a:t>
-            </a:r>
-            <a:r>
-              <a:rPr lang="en-US" dirty="0" smtClean="0"/>
-              <a:t>: perform task faster than human</a:t>
-            </a:r>
-          </a:p>
-          <a:p>
-            <a:pPr lvl="1"/>
-            <a:r>
-              <a:rPr lang="en-US" b="1" dirty="0" smtClean="0"/>
-              <a:t>Make processes safer</a:t>
-            </a:r>
-            <a:r>
-              <a:rPr lang="en-US" dirty="0" smtClean="0"/>
-              <a:t>: eliminate mistakes</a:t>
-            </a:r>
-          </a:p>
-          <a:p>
-            <a:pPr lvl="1"/>
-            <a:r>
-              <a:rPr lang="en-US" b="1" dirty="0" smtClean="0"/>
-              <a:t>Empower users</a:t>
-            </a:r>
-            <a:r>
-              <a:rPr lang="en-US" dirty="0" smtClean="0"/>
-              <a:t>: let’s less experienced people perform complex tasks</a:t>
-            </a:r>
-          </a:p>
-          <a:p>
-            <a:endParaRPr lang="en-US" dirty="0" smtClean="0"/>
-          </a:p>
-          <a:p>
-            <a:pPr lvl="1"/>
-            <a:endParaRPr lang="en-US" dirty="0" smtClean="0"/>
-          </a:p>
-        </p:txBody>
-      </p:sp>
-    </p:spTree>
-    <p:extLst>
-      <p:ext uri="{BB962C8B-B14F-4D97-AF65-F5344CB8AC3E}">
-        <p14:creationId xmlns:p14="http://schemas.microsoft.com/office/powerpoint/2010/main" val="3301385349"/>
-      </p:ext>
-    </p:extLst>
-  </p:cSld>
-  <p:clrMapOvr>
-    <a:masterClrMapping/>
-  </p:clrMapOvr>
-</p:sld>
-</file>
-
-<file path=ppt/slides/slide8.xml><?xml version="1.0" encoding="utf-8"?>
-<p:sld xmlns:a="http://schemas.openxmlformats.org/drawingml/2006/main" xmlns:r="http://schemas.openxmlformats.org/officeDocument/2006/relationships" xmlns:p="http://schemas.openxmlformats.org/presentationml/2006/main">
-  <p:cSld>
-    <p:spTree>
-      <p:nvGrpSpPr>
-        <p:cNvPr id="1" name=""/>
-        <p:cNvGrpSpPr/>
-        <p:nvPr/>
-      </p:nvGrpSpPr>
-      <p:grpSpPr>
-        <a:xfrm>
-          <a:off x="0" y="0"/>
-          <a:ext cx="0" cy="0"/>
-          <a:chOff x="0" y="0"/>
-          <a:chExt cx="0" cy="0"/>
-        </a:xfrm>
-      </p:grpSpPr>
-      <p:sp>
-        <p:nvSpPr>
-          <p:cNvPr id="2" name="Title 1"/>
-          <p:cNvSpPr>
-            <a:spLocks noGrp="1"/>
-          </p:cNvSpPr>
-          <p:nvPr>
-            <p:ph type="title"/>
-          </p:nvPr>
-        </p:nvSpPr>
-        <p:spPr/>
-        <p:txBody>
-          <a:bodyPr/>
-          <a:lstStyle/>
-          <a:p>
-            <a:r>
-              <a:rPr lang="en-US" dirty="0" smtClean="0"/>
-              <a:t>Readings</a:t>
-            </a:r>
-            <a:endParaRPr lang="en-US" dirty="0"/>
-          </a:p>
-        </p:txBody>
-      </p:sp>
-      <p:sp>
-        <p:nvSpPr>
-          <p:cNvPr id="3" name="Content Placeholder 2"/>
-          <p:cNvSpPr>
-            <a:spLocks noGrp="1"/>
-          </p:cNvSpPr>
-          <p:nvPr>
-            <p:ph idx="1"/>
-          </p:nvPr>
-        </p:nvSpPr>
-        <p:spPr/>
-        <p:txBody>
-          <a:bodyPr>
             <a:normAutofit lnSpcReduction="10000"/>
           </a:bodyPr>
           <a:lstStyle/>
@@ -4692,7 +4418,7 @@
 </p:sld>
 </file>
 
-<file path=ppt/slides/slide9.xml><?xml version="1.0" encoding="utf-8"?>
+<file path=ppt/slides/slide8.xml><?xml version="1.0" encoding="utf-8"?>
 <p:sld xmlns:a="http://schemas.openxmlformats.org/drawingml/2006/main" xmlns:r="http://schemas.openxmlformats.org/officeDocument/2006/relationships" xmlns:p="http://schemas.openxmlformats.org/presentationml/2006/main">
   <p:cSld>
     <p:spTree>
@@ -4814,6 +4540,126 @@
     <p:extLst>
       <p:ext uri="{BB962C8B-B14F-4D97-AF65-F5344CB8AC3E}">
         <p14:creationId xmlns:p14="http://schemas.microsoft.com/office/powerpoint/2010/main" val="3727470488"/>
+      </p:ext>
+    </p:extLst>
+  </p:cSld>
+  <p:clrMapOvr>
+    <a:masterClrMapping/>
+  </p:clrMapOvr>
+</p:sld>
+</file>
+
+<file path=ppt/slides/slide9.xml><?xml version="1.0" encoding="utf-8"?>
+<p:sld xmlns:a="http://schemas.openxmlformats.org/drawingml/2006/main" xmlns:r="http://schemas.openxmlformats.org/officeDocument/2006/relationships" xmlns:p="http://schemas.openxmlformats.org/presentationml/2006/main">
+  <p:cSld>
+    <p:spTree>
+      <p:nvGrpSpPr>
+        <p:cNvPr id="1" name=""/>
+        <p:cNvGrpSpPr/>
+        <p:nvPr/>
+      </p:nvGrpSpPr>
+      <p:grpSpPr>
+        <a:xfrm>
+          <a:off x="0" y="0"/>
+          <a:ext cx="0" cy="0"/>
+          <a:chOff x="0" y="0"/>
+          <a:chExt cx="0" cy="0"/>
+        </a:xfrm>
+      </p:grpSpPr>
+      <p:sp>
+        <p:nvSpPr>
+          <p:cNvPr id="2" name="Title 1"/>
+          <p:cNvSpPr>
+            <a:spLocks noGrp="1"/>
+          </p:cNvSpPr>
+          <p:nvPr>
+            <p:ph type="title"/>
+          </p:nvPr>
+        </p:nvSpPr>
+        <p:spPr/>
+        <p:txBody>
+          <a:bodyPr>
+            <a:normAutofit/>
+          </a:bodyPr>
+          <a:lstStyle/>
+          <a:p>
+            <a:r>
+              <a:rPr lang="en-US" dirty="0" smtClean="0"/>
+              <a:t>Linux</a:t>
+            </a:r>
+            <a:endParaRPr lang="en-US" dirty="0"/>
+          </a:p>
+        </p:txBody>
+      </p:sp>
+      <p:sp>
+        <p:nvSpPr>
+          <p:cNvPr id="3" name="Content Placeholder 2"/>
+          <p:cNvSpPr>
+            <a:spLocks noGrp="1"/>
+          </p:cNvSpPr>
+          <p:nvPr>
+            <p:ph idx="1"/>
+          </p:nvPr>
+        </p:nvSpPr>
+        <p:spPr/>
+        <p:txBody>
+          <a:bodyPr>
+            <a:normAutofit lnSpcReduction="10000"/>
+          </a:bodyPr>
+          <a:lstStyle/>
+          <a:p>
+            <a:r>
+              <a:rPr lang="en-US" dirty="0" smtClean="0"/>
+              <a:t>History</a:t>
+            </a:r>
+          </a:p>
+          <a:p>
+            <a:pPr lvl="1"/>
+            <a:r>
+              <a:rPr lang="en-US" dirty="0" smtClean="0"/>
+              <a:t>Started by Linus Torvalds in 1991</a:t>
+            </a:r>
+          </a:p>
+          <a:p>
+            <a:pPr lvl="1"/>
+            <a:r>
+              <a:rPr lang="en-US" dirty="0" smtClean="0"/>
+              <a:t>Inspired by Unix, developed at AT&amp;T in 1970s</a:t>
+            </a:r>
+          </a:p>
+          <a:p>
+            <a:pPr lvl="1"/>
+            <a:r>
+              <a:rPr lang="en-US" dirty="0" smtClean="0"/>
+              <a:t>Linux is not Unix, but uses same concepts</a:t>
+            </a:r>
+          </a:p>
+          <a:p>
+            <a:pPr lvl="1"/>
+            <a:r>
+              <a:rPr lang="en-US" dirty="0" smtClean="0"/>
+              <a:t>Open Source Software (General Public License)</a:t>
+            </a:r>
+          </a:p>
+          <a:p>
+            <a:r>
+              <a:rPr lang="en-US" dirty="0" smtClean="0"/>
+              <a:t>Runs on cells phones to largest supercomputers</a:t>
+            </a:r>
+          </a:p>
+          <a:p>
+            <a:r>
+              <a:rPr lang="en-US" dirty="0" smtClean="0"/>
+              <a:t>Perfect for supporting service-based application architecture in the cloud</a:t>
+            </a:r>
+            <a:endParaRPr lang="en-US" dirty="0"/>
+          </a:p>
+        </p:txBody>
+      </p:sp>
+    </p:spTree>
+    <p:extLst>
+      <p:ext uri="{BB962C8B-B14F-4D97-AF65-F5344CB8AC3E}">
+        <p14:creationId xmlns:p14="http://schemas.microsoft.com/office/powerpoint/2010/main" val="3312454313"/>
       </p:ext>
     </p:extLst>
   </p:cSld>

--- a/infrastructure-week-2.pptx
+++ b/infrastructure-week-2.pptx
@@ -299,7 +299,7 @@
           <a:p>
             <a:fld id="{5B60E164-4364-3441-BA83-2CF3942ACF8D}" type="datetimeFigureOut">
               <a:rPr lang="en-US" smtClean="0"/>
-              <a:t>3/19/16</a:t>
+              <a:t>3/31/16</a:t>
             </a:fld>
             <a:endParaRPr lang="en-US"/>
           </a:p>
@@ -469,7 +469,7 @@
           <a:p>
             <a:fld id="{5B60E164-4364-3441-BA83-2CF3942ACF8D}" type="datetimeFigureOut">
               <a:rPr lang="en-US" smtClean="0"/>
-              <a:t>3/19/16</a:t>
+              <a:t>3/31/16</a:t>
             </a:fld>
             <a:endParaRPr lang="en-US"/>
           </a:p>
@@ -649,7 +649,7 @@
           <a:p>
             <a:fld id="{5B60E164-4364-3441-BA83-2CF3942ACF8D}" type="datetimeFigureOut">
               <a:rPr lang="en-US" smtClean="0"/>
-              <a:t>3/19/16</a:t>
+              <a:t>3/31/16</a:t>
             </a:fld>
             <a:endParaRPr lang="en-US"/>
           </a:p>
@@ -819,7 +819,7 @@
           <a:p>
             <a:fld id="{5B60E164-4364-3441-BA83-2CF3942ACF8D}" type="datetimeFigureOut">
               <a:rPr lang="en-US" smtClean="0"/>
-              <a:t>3/19/16</a:t>
+              <a:t>3/31/16</a:t>
             </a:fld>
             <a:endParaRPr lang="en-US"/>
           </a:p>
@@ -1065,7 +1065,7 @@
           <a:p>
             <a:fld id="{5B60E164-4364-3441-BA83-2CF3942ACF8D}" type="datetimeFigureOut">
               <a:rPr lang="en-US" smtClean="0"/>
-              <a:t>3/19/16</a:t>
+              <a:t>3/31/16</a:t>
             </a:fld>
             <a:endParaRPr lang="en-US"/>
           </a:p>
@@ -1353,7 +1353,7 @@
           <a:p>
             <a:fld id="{5B60E164-4364-3441-BA83-2CF3942ACF8D}" type="datetimeFigureOut">
               <a:rPr lang="en-US" smtClean="0"/>
-              <a:t>3/19/16</a:t>
+              <a:t>3/31/16</a:t>
             </a:fld>
             <a:endParaRPr lang="en-US"/>
           </a:p>
@@ -1775,7 +1775,7 @@
           <a:p>
             <a:fld id="{5B60E164-4364-3441-BA83-2CF3942ACF8D}" type="datetimeFigureOut">
               <a:rPr lang="en-US" smtClean="0"/>
-              <a:t>3/19/16</a:t>
+              <a:t>3/31/16</a:t>
             </a:fld>
             <a:endParaRPr lang="en-US"/>
           </a:p>
@@ -1893,7 +1893,7 @@
           <a:p>
             <a:fld id="{5B60E164-4364-3441-BA83-2CF3942ACF8D}" type="datetimeFigureOut">
               <a:rPr lang="en-US" smtClean="0"/>
-              <a:t>3/19/16</a:t>
+              <a:t>3/31/16</a:t>
             </a:fld>
             <a:endParaRPr lang="en-US"/>
           </a:p>
@@ -1988,7 +1988,7 @@
           <a:p>
             <a:fld id="{5B60E164-4364-3441-BA83-2CF3942ACF8D}" type="datetimeFigureOut">
               <a:rPr lang="en-US" smtClean="0"/>
-              <a:t>3/19/16</a:t>
+              <a:t>3/31/16</a:t>
             </a:fld>
             <a:endParaRPr lang="en-US"/>
           </a:p>
@@ -2265,7 +2265,7 @@
           <a:p>
             <a:fld id="{5B60E164-4364-3441-BA83-2CF3942ACF8D}" type="datetimeFigureOut">
               <a:rPr lang="en-US" smtClean="0"/>
-              <a:t>3/19/16</a:t>
+              <a:t>3/31/16</a:t>
             </a:fld>
             <a:endParaRPr lang="en-US"/>
           </a:p>
@@ -2518,7 +2518,7 @@
           <a:p>
             <a:fld id="{5B60E164-4364-3441-BA83-2CF3942ACF8D}" type="datetimeFigureOut">
               <a:rPr lang="en-US" smtClean="0"/>
-              <a:t>3/19/16</a:t>
+              <a:t>3/31/16</a:t>
             </a:fld>
             <a:endParaRPr lang="en-US"/>
           </a:p>
@@ -2731,7 +2731,7 @@
           <a:p>
             <a:fld id="{5B60E164-4364-3441-BA83-2CF3942ACF8D}" type="datetimeFigureOut">
               <a:rPr lang="en-US" smtClean="0"/>
-              <a:t>3/19/16</a:t>
+              <a:t>3/31/16</a:t>
             </a:fld>
             <a:endParaRPr lang="en-US"/>
           </a:p>
@@ -3124,7 +3124,7 @@
         </p:spPr>
         <p:txBody>
           <a:bodyPr>
-            <a:normAutofit/>
+            <a:normAutofit fontScale="90000"/>
           </a:bodyPr>
           <a:lstStyle/>
           <a:p>
@@ -3137,7 +3137,18 @@
             </a:br>
             <a:r>
               <a:rPr lang="en-US" sz="6000" dirty="0" smtClean="0"/>
-              <a:t>IT Infrastructure</a:t>
+              <a:t>IT </a:t>
+            </a:r>
+            <a:r>
+              <a:rPr lang="en-US" sz="6000" dirty="0" smtClean="0"/>
+              <a:t>Infrastructure</a:t>
+            </a:r>
+            <a:br>
+              <a:rPr lang="en-US" sz="6000" dirty="0" smtClean="0"/>
+            </a:br>
+            <a:r>
+              <a:rPr lang="en-US" sz="6000" dirty="0" smtClean="0"/>
+              <a:t>Week 2</a:t>
             </a:r>
             <a:endParaRPr lang="en-US" sz="6000" dirty="0"/>
           </a:p>
@@ -3578,12 +3589,13 @@
             </a:r>
             <a:r>
               <a:rPr lang="en-US" dirty="0" smtClean="0"/>
-              <a:t>Systems Administration </a:t>
-            </a:r>
-            <a:r>
-              <a:rPr lang="en-US" dirty="0" smtClean="0"/>
-              <a:t>Chapters 1 &amp; 2</a:t>
-            </a:r>
+              <a:t>Systems </a:t>
+            </a:r>
+            <a:r>
+              <a:rPr lang="en-US" smtClean="0"/>
+              <a:t>Administration Chapter 1</a:t>
+            </a:r>
+            <a:endParaRPr lang="en-US" dirty="0" smtClean="0"/>
           </a:p>
           <a:p>
             <a:r>
@@ -3594,13 +3606,8 @@
           <a:p>
             <a:r>
               <a:rPr lang="en-US" dirty="0" smtClean="0"/>
-              <a:t>Finish reading Linux Hands-</a:t>
-            </a:r>
-            <a:r>
-              <a:rPr lang="en-US" smtClean="0"/>
-              <a:t>on Guide</a:t>
-            </a:r>
-            <a:endParaRPr lang="en-US" dirty="0" smtClean="0"/>
+              <a:t>Finish reading Linux Hands-on Guide</a:t>
+            </a:r>
           </a:p>
           <a:p>
             <a:endParaRPr lang="en-US" dirty="0"/>
@@ -3663,12 +3670,8 @@
           <a:lstStyle/>
           <a:p>
             <a:r>
-              <a:rPr lang="en-US" dirty="0" smtClean="0"/>
-              <a:t>Week </a:t>
-            </a:r>
-            <a:r>
-              <a:rPr lang="en-US" dirty="0" smtClean="0"/>
-              <a:t>2</a:t>
+              <a:rPr lang="en-US" smtClean="0"/>
+              <a:t>Agenda</a:t>
             </a:r>
             <a:endParaRPr lang="en-US" dirty="0"/>
           </a:p>
@@ -3693,7 +3696,6 @@
               <a:rPr lang="en-US" dirty="0" smtClean="0"/>
               <a:t>Review readings</a:t>
             </a:r>
-            <a:endParaRPr lang="en-US" dirty="0" smtClean="0"/>
           </a:p>
           <a:p>
             <a:r>
@@ -3713,7 +3715,6 @@
               <a:rPr lang="en-US" dirty="0" smtClean="0"/>
               <a:t>Shell scripting</a:t>
             </a:r>
-            <a:endParaRPr lang="en-US" dirty="0" smtClean="0"/>
           </a:p>
           <a:p>
             <a:endParaRPr lang="en-US" dirty="0" smtClean="0"/>

--- a/infrastructure-week-2.pptx
+++ b/infrastructure-week-2.pptx
@@ -16,7 +16,10 @@
     <p:sldId id="266" r:id="rId10"/>
     <p:sldId id="267" r:id="rId11"/>
     <p:sldId id="268" r:id="rId12"/>
-    <p:sldId id="270" r:id="rId13"/>
+    <p:sldId id="271" r:id="rId13"/>
+    <p:sldId id="272" r:id="rId14"/>
+    <p:sldId id="273" r:id="rId15"/>
+    <p:sldId id="270" r:id="rId16"/>
   </p:sldIdLst>
   <p:sldSz cx="9144000" cy="6858000" type="screen4x3"/>
   <p:notesSz cx="6858000" cy="9144000"/>
@@ -299,7 +302,7 @@
           <a:p>
             <a:fld id="{5B60E164-4364-3441-BA83-2CF3942ACF8D}" type="datetimeFigureOut">
               <a:rPr lang="en-US" smtClean="0"/>
-              <a:t>3/31/16</a:t>
+              <a:t>4/4/16</a:t>
             </a:fld>
             <a:endParaRPr lang="en-US"/>
           </a:p>
@@ -469,7 +472,7 @@
           <a:p>
             <a:fld id="{5B60E164-4364-3441-BA83-2CF3942ACF8D}" type="datetimeFigureOut">
               <a:rPr lang="en-US" smtClean="0"/>
-              <a:t>3/31/16</a:t>
+              <a:t>4/4/16</a:t>
             </a:fld>
             <a:endParaRPr lang="en-US"/>
           </a:p>
@@ -649,7 +652,7 @@
           <a:p>
             <a:fld id="{5B60E164-4364-3441-BA83-2CF3942ACF8D}" type="datetimeFigureOut">
               <a:rPr lang="en-US" smtClean="0"/>
-              <a:t>3/31/16</a:t>
+              <a:t>4/4/16</a:t>
             </a:fld>
             <a:endParaRPr lang="en-US"/>
           </a:p>
@@ -819,7 +822,7 @@
           <a:p>
             <a:fld id="{5B60E164-4364-3441-BA83-2CF3942ACF8D}" type="datetimeFigureOut">
               <a:rPr lang="en-US" smtClean="0"/>
-              <a:t>3/31/16</a:t>
+              <a:t>4/4/16</a:t>
             </a:fld>
             <a:endParaRPr lang="en-US"/>
           </a:p>
@@ -1065,7 +1068,7 @@
           <a:p>
             <a:fld id="{5B60E164-4364-3441-BA83-2CF3942ACF8D}" type="datetimeFigureOut">
               <a:rPr lang="en-US" smtClean="0"/>
-              <a:t>3/31/16</a:t>
+              <a:t>4/4/16</a:t>
             </a:fld>
             <a:endParaRPr lang="en-US"/>
           </a:p>
@@ -1353,7 +1356,7 @@
           <a:p>
             <a:fld id="{5B60E164-4364-3441-BA83-2CF3942ACF8D}" type="datetimeFigureOut">
               <a:rPr lang="en-US" smtClean="0"/>
-              <a:t>3/31/16</a:t>
+              <a:t>4/4/16</a:t>
             </a:fld>
             <a:endParaRPr lang="en-US"/>
           </a:p>
@@ -1775,7 +1778,7 @@
           <a:p>
             <a:fld id="{5B60E164-4364-3441-BA83-2CF3942ACF8D}" type="datetimeFigureOut">
               <a:rPr lang="en-US" smtClean="0"/>
-              <a:t>3/31/16</a:t>
+              <a:t>4/4/16</a:t>
             </a:fld>
             <a:endParaRPr lang="en-US"/>
           </a:p>
@@ -1893,7 +1896,7 @@
           <a:p>
             <a:fld id="{5B60E164-4364-3441-BA83-2CF3942ACF8D}" type="datetimeFigureOut">
               <a:rPr lang="en-US" smtClean="0"/>
-              <a:t>3/31/16</a:t>
+              <a:t>4/4/16</a:t>
             </a:fld>
             <a:endParaRPr lang="en-US"/>
           </a:p>
@@ -1988,7 +1991,7 @@
           <a:p>
             <a:fld id="{5B60E164-4364-3441-BA83-2CF3942ACF8D}" type="datetimeFigureOut">
               <a:rPr lang="en-US" smtClean="0"/>
-              <a:t>3/31/16</a:t>
+              <a:t>4/4/16</a:t>
             </a:fld>
             <a:endParaRPr lang="en-US"/>
           </a:p>
@@ -2265,7 +2268,7 @@
           <a:p>
             <a:fld id="{5B60E164-4364-3441-BA83-2CF3942ACF8D}" type="datetimeFigureOut">
               <a:rPr lang="en-US" smtClean="0"/>
-              <a:t>3/31/16</a:t>
+              <a:t>4/4/16</a:t>
             </a:fld>
             <a:endParaRPr lang="en-US"/>
           </a:p>
@@ -2518,7 +2521,7 @@
           <a:p>
             <a:fld id="{5B60E164-4364-3441-BA83-2CF3942ACF8D}" type="datetimeFigureOut">
               <a:rPr lang="en-US" smtClean="0"/>
-              <a:t>3/31/16</a:t>
+              <a:t>4/4/16</a:t>
             </a:fld>
             <a:endParaRPr lang="en-US"/>
           </a:p>
@@ -2731,7 +2734,7 @@
           <a:p>
             <a:fld id="{5B60E164-4364-3441-BA83-2CF3942ACF8D}" type="datetimeFigureOut">
               <a:rPr lang="en-US" smtClean="0"/>
-              <a:t>3/31/16</a:t>
+              <a:t>4/4/16</a:t>
             </a:fld>
             <a:endParaRPr lang="en-US"/>
           </a:p>
@@ -3137,11 +3140,7 @@
             </a:br>
             <a:r>
               <a:rPr lang="en-US" sz="6000" dirty="0" smtClean="0"/>
-              <a:t>IT </a:t>
-            </a:r>
-            <a:r>
-              <a:rPr lang="en-US" sz="6000" dirty="0" smtClean="0"/>
-              <a:t>Infrastructure</a:t>
+              <a:t>IT Infrastructure</a:t>
             </a:r>
             <a:br>
               <a:rPr lang="en-US" sz="6000" dirty="0" smtClean="0"/>
@@ -3514,6 +3513,360 @@
 </file>
 
 <file path=ppt/slides/slide12.xml><?xml version="1.0" encoding="utf-8"?>
+<p:sld xmlns:a="http://schemas.openxmlformats.org/drawingml/2006/main" xmlns:r="http://schemas.openxmlformats.org/officeDocument/2006/relationships" xmlns:p="http://schemas.openxmlformats.org/presentationml/2006/main">
+  <p:cSld>
+    <p:spTree>
+      <p:nvGrpSpPr>
+        <p:cNvPr id="1" name=""/>
+        <p:cNvGrpSpPr/>
+        <p:nvPr/>
+      </p:nvGrpSpPr>
+      <p:grpSpPr>
+        <a:xfrm>
+          <a:off x="0" y="0"/>
+          <a:ext cx="0" cy="0"/>
+          <a:chOff x="0" y="0"/>
+          <a:chExt cx="0" cy="0"/>
+        </a:xfrm>
+      </p:grpSpPr>
+      <p:sp>
+        <p:nvSpPr>
+          <p:cNvPr id="2" name="Title 1"/>
+          <p:cNvSpPr>
+            <a:spLocks noGrp="1"/>
+          </p:cNvSpPr>
+          <p:nvPr>
+            <p:ph type="title"/>
+          </p:nvPr>
+        </p:nvSpPr>
+        <p:spPr/>
+        <p:txBody>
+          <a:bodyPr/>
+          <a:lstStyle/>
+          <a:p>
+            <a:r>
+              <a:rPr lang="en-US" dirty="0" smtClean="0"/>
+              <a:t>Linux Hands-on</a:t>
+            </a:r>
+            <a:endParaRPr lang="en-US" dirty="0"/>
+          </a:p>
+        </p:txBody>
+      </p:sp>
+      <p:sp>
+        <p:nvSpPr>
+          <p:cNvPr id="3" name="Content Placeholder 2"/>
+          <p:cNvSpPr>
+            <a:spLocks noGrp="1"/>
+          </p:cNvSpPr>
+          <p:nvPr>
+            <p:ph idx="1"/>
+          </p:nvPr>
+        </p:nvSpPr>
+        <p:spPr/>
+        <p:txBody>
+          <a:bodyPr/>
+          <a:lstStyle/>
+          <a:p>
+            <a:r>
+              <a:rPr lang="en-US" dirty="0" smtClean="0"/>
+              <a:t>Launching a Linux instance on AWS EC2</a:t>
+            </a:r>
+          </a:p>
+          <a:p>
+            <a:r>
+              <a:rPr lang="en-US" dirty="0" smtClean="0"/>
+              <a:t>Connecting to instance via terminal</a:t>
+            </a:r>
+          </a:p>
+          <a:p>
+            <a:pPr lvl="1"/>
+            <a:r>
+              <a:rPr lang="en-US" dirty="0" smtClean="0"/>
+              <a:t>Mac &amp; Windows</a:t>
+            </a:r>
+          </a:p>
+          <a:p>
+            <a:r>
+              <a:rPr lang="en-US" dirty="0" smtClean="0"/>
+              <a:t>Linux Hands-on Guide</a:t>
+            </a:r>
+            <a:endParaRPr lang="en-US" dirty="0"/>
+          </a:p>
+        </p:txBody>
+      </p:sp>
+    </p:spTree>
+    <p:extLst>
+      <p:ext uri="{BB962C8B-B14F-4D97-AF65-F5344CB8AC3E}">
+        <p14:creationId xmlns:p14="http://schemas.microsoft.com/office/powerpoint/2010/main" val="1213115913"/>
+      </p:ext>
+    </p:extLst>
+  </p:cSld>
+  <p:clrMapOvr>
+    <a:masterClrMapping/>
+  </p:clrMapOvr>
+</p:sld>
+</file>
+
+<file path=ppt/slides/slide13.xml><?xml version="1.0" encoding="utf-8"?>
+<p:sld xmlns:a="http://schemas.openxmlformats.org/drawingml/2006/main" xmlns:r="http://schemas.openxmlformats.org/officeDocument/2006/relationships" xmlns:p="http://schemas.openxmlformats.org/presentationml/2006/main">
+  <p:cSld>
+    <p:spTree>
+      <p:nvGrpSpPr>
+        <p:cNvPr id="1" name=""/>
+        <p:cNvGrpSpPr/>
+        <p:nvPr/>
+      </p:nvGrpSpPr>
+      <p:grpSpPr>
+        <a:xfrm>
+          <a:off x="0" y="0"/>
+          <a:ext cx="0" cy="0"/>
+          <a:chOff x="0" y="0"/>
+          <a:chExt cx="0" cy="0"/>
+        </a:xfrm>
+      </p:grpSpPr>
+      <p:sp>
+        <p:nvSpPr>
+          <p:cNvPr id="2" name="Title 1"/>
+          <p:cNvSpPr>
+            <a:spLocks noGrp="1"/>
+          </p:cNvSpPr>
+          <p:nvPr>
+            <p:ph type="title"/>
+          </p:nvPr>
+        </p:nvSpPr>
+        <p:spPr/>
+        <p:txBody>
+          <a:bodyPr/>
+          <a:lstStyle/>
+          <a:p>
+            <a:r>
+              <a:rPr lang="en-US" dirty="0" err="1" smtClean="0"/>
+              <a:t>Git</a:t>
+            </a:r>
+            <a:r>
+              <a:rPr lang="en-US" dirty="0" smtClean="0"/>
+              <a:t> Flow</a:t>
+            </a:r>
+            <a:endParaRPr lang="en-US" dirty="0"/>
+          </a:p>
+        </p:txBody>
+      </p:sp>
+      <p:sp>
+        <p:nvSpPr>
+          <p:cNvPr id="3" name="Content Placeholder 2"/>
+          <p:cNvSpPr>
+            <a:spLocks noGrp="1"/>
+          </p:cNvSpPr>
+          <p:nvPr>
+            <p:ph idx="1"/>
+          </p:nvPr>
+        </p:nvSpPr>
+        <p:spPr/>
+        <p:txBody>
+          <a:bodyPr>
+            <a:normAutofit fontScale="92500" lnSpcReduction="20000"/>
+          </a:bodyPr>
+          <a:lstStyle/>
+          <a:p>
+            <a:r>
+              <a:rPr lang="en-US" dirty="0" err="1" smtClean="0"/>
+              <a:t>Git</a:t>
+            </a:r>
+            <a:r>
+              <a:rPr lang="en-US" dirty="0" smtClean="0"/>
+              <a:t> is designed to scale from teams of one to teams of thousands</a:t>
+            </a:r>
+          </a:p>
+          <a:p>
+            <a:r>
+              <a:rPr lang="en-US" dirty="0" err="1" smtClean="0"/>
+              <a:t>Git</a:t>
+            </a:r>
+            <a:r>
+              <a:rPr lang="en-US" dirty="0" smtClean="0"/>
+              <a:t> Flow is a popular workflow for categorizing work and controlling releases</a:t>
+            </a:r>
+          </a:p>
+          <a:p>
+            <a:pPr lvl="1"/>
+            <a:r>
+              <a:rPr lang="en-US" dirty="0" smtClean="0"/>
+              <a:t>Not promoting this as the only or best </a:t>
+            </a:r>
+            <a:r>
+              <a:rPr lang="en-US" dirty="0" err="1" smtClean="0"/>
+              <a:t>Git</a:t>
+            </a:r>
+            <a:r>
+              <a:rPr lang="en-US" dirty="0" smtClean="0"/>
+              <a:t> workflow</a:t>
+            </a:r>
+          </a:p>
+          <a:p>
+            <a:r>
+              <a:rPr lang="en-US" dirty="0" smtClean="0"/>
+              <a:t>Based around several branches:</a:t>
+            </a:r>
+          </a:p>
+          <a:p>
+            <a:pPr lvl="1"/>
+            <a:r>
+              <a:rPr lang="en-US" dirty="0" smtClean="0"/>
+              <a:t>master = deployed code in production</a:t>
+            </a:r>
+          </a:p>
+          <a:p>
+            <a:pPr lvl="1"/>
+            <a:r>
+              <a:rPr lang="en-US" dirty="0" smtClean="0"/>
+              <a:t>develop = current development code base</a:t>
+            </a:r>
+          </a:p>
+          <a:p>
+            <a:pPr lvl="1"/>
+            <a:r>
+              <a:rPr lang="en-US" dirty="0" smtClean="0"/>
+              <a:t>feature = experimental code for specific feature</a:t>
+            </a:r>
+          </a:p>
+          <a:p>
+            <a:pPr lvl="1"/>
+            <a:r>
+              <a:rPr lang="en-US" dirty="0"/>
+              <a:t>r</a:t>
+            </a:r>
+            <a:r>
+              <a:rPr lang="en-US" dirty="0" smtClean="0"/>
+              <a:t>elease = point-in-time code release</a:t>
+            </a:r>
+          </a:p>
+          <a:p>
+            <a:pPr lvl="1"/>
+            <a:r>
+              <a:rPr lang="en-US" dirty="0"/>
+              <a:t>h</a:t>
+            </a:r>
+            <a:r>
+              <a:rPr lang="en-US" dirty="0" smtClean="0"/>
+              <a:t>otfixes = emergency fixes to production code</a:t>
+            </a:r>
+            <a:endParaRPr lang="en-US" dirty="0"/>
+          </a:p>
+        </p:txBody>
+      </p:sp>
+    </p:spTree>
+    <p:extLst>
+      <p:ext uri="{BB962C8B-B14F-4D97-AF65-F5344CB8AC3E}">
+        <p14:creationId xmlns:p14="http://schemas.microsoft.com/office/powerpoint/2010/main" val="1975196196"/>
+      </p:ext>
+    </p:extLst>
+  </p:cSld>
+  <p:clrMapOvr>
+    <a:masterClrMapping/>
+  </p:clrMapOvr>
+</p:sld>
+</file>
+
+<file path=ppt/slides/slide14.xml><?xml version="1.0" encoding="utf-8"?>
+<p:sld xmlns:a="http://schemas.openxmlformats.org/drawingml/2006/main" xmlns:r="http://schemas.openxmlformats.org/officeDocument/2006/relationships" xmlns:p="http://schemas.openxmlformats.org/presentationml/2006/main">
+  <p:cSld>
+    <p:spTree>
+      <p:nvGrpSpPr>
+        <p:cNvPr id="1" name=""/>
+        <p:cNvGrpSpPr/>
+        <p:nvPr/>
+      </p:nvGrpSpPr>
+      <p:grpSpPr>
+        <a:xfrm>
+          <a:off x="0" y="0"/>
+          <a:ext cx="0" cy="0"/>
+          <a:chOff x="0" y="0"/>
+          <a:chExt cx="0" cy="0"/>
+        </a:xfrm>
+      </p:grpSpPr>
+      <p:pic>
+        <p:nvPicPr>
+          <p:cNvPr id="4" name="Picture 3"/>
+          <p:cNvPicPr>
+            <a:picLocks noChangeAspect="1"/>
+          </p:cNvPicPr>
+          <p:nvPr/>
+        </p:nvPicPr>
+        <p:blipFill>
+          <a:blip r:embed="rId2"/>
+          <a:stretch>
+            <a:fillRect/>
+          </a:stretch>
+        </p:blipFill>
+        <p:spPr>
+          <a:xfrm>
+            <a:off x="1441074" y="0"/>
+            <a:ext cx="5175000" cy="6858000"/>
+          </a:xfrm>
+          <a:prstGeom prst="rect">
+            <a:avLst/>
+          </a:prstGeom>
+        </p:spPr>
+      </p:pic>
+      <p:sp>
+        <p:nvSpPr>
+          <p:cNvPr id="5" name="TextBox 4"/>
+          <p:cNvSpPr txBox="1"/>
+          <p:nvPr/>
+        </p:nvSpPr>
+        <p:spPr>
+          <a:xfrm>
+            <a:off x="5839313" y="6313194"/>
+            <a:ext cx="3163809" cy="246221"/>
+          </a:xfrm>
+          <a:prstGeom prst="rect">
+            <a:avLst/>
+          </a:prstGeom>
+          <a:noFill/>
+        </p:spPr>
+        <p:txBody>
+          <a:bodyPr wrap="none" rtlCol="0">
+            <a:spAutoFit/>
+          </a:bodyPr>
+          <a:lstStyle/>
+          <a:p>
+            <a:r>
+              <a:rPr lang="en-US" sz="1000" dirty="0"/>
+              <a:t>http://</a:t>
+            </a:r>
+            <a:r>
+              <a:rPr lang="en-US" sz="1000" dirty="0" err="1"/>
+              <a:t>nvie.com</a:t>
+            </a:r>
+            <a:r>
+              <a:rPr lang="en-US" sz="1000" dirty="0"/>
+              <a:t>/posts/a-successful-</a:t>
+            </a:r>
+            <a:r>
+              <a:rPr lang="en-US" sz="1000" dirty="0" err="1"/>
+              <a:t>git</a:t>
+            </a:r>
+            <a:r>
+              <a:rPr lang="en-US" sz="1000" dirty="0"/>
+              <a:t>-branching-model/</a:t>
+            </a:r>
+          </a:p>
+        </p:txBody>
+      </p:sp>
+    </p:spTree>
+    <p:extLst>
+      <p:ext uri="{BB962C8B-B14F-4D97-AF65-F5344CB8AC3E}">
+        <p14:creationId xmlns:p14="http://schemas.microsoft.com/office/powerpoint/2010/main" val="4285026264"/>
+      </p:ext>
+    </p:extLst>
+  </p:cSld>
+  <p:clrMapOvr>
+    <a:masterClrMapping/>
+  </p:clrMapOvr>
+</p:sld>
+</file>
+
+<file path=ppt/slides/slide15.xml><?xml version="1.0" encoding="utf-8"?>
 <p:sld xmlns:a="http://schemas.openxmlformats.org/drawingml/2006/main" xmlns:r="http://schemas.openxmlformats.org/officeDocument/2006/relationships" xmlns:p="http://schemas.openxmlformats.org/presentationml/2006/main">
   <p:cSld>
     <p:spTree>

--- a/infrastructure-week-2.pptx
+++ b/infrastructure-week-2.pptx
@@ -12,8 +12,8 @@
     <p:sldId id="262" r:id="rId6"/>
     <p:sldId id="263" r:id="rId7"/>
     <p:sldId id="264" r:id="rId8"/>
-    <p:sldId id="265" r:id="rId9"/>
-    <p:sldId id="266" r:id="rId10"/>
+    <p:sldId id="266" r:id="rId9"/>
+    <p:sldId id="265" r:id="rId10"/>
     <p:sldId id="267" r:id="rId11"/>
     <p:sldId id="268" r:id="rId12"/>
     <p:sldId id="271" r:id="rId13"/>
@@ -302,7 +302,7 @@
           <a:p>
             <a:fld id="{5B60E164-4364-3441-BA83-2CF3942ACF8D}" type="datetimeFigureOut">
               <a:rPr lang="en-US" smtClean="0"/>
-              <a:t>4/4/16</a:t>
+              <a:t>4/11/16</a:t>
             </a:fld>
             <a:endParaRPr lang="en-US"/>
           </a:p>
@@ -472,7 +472,7 @@
           <a:p>
             <a:fld id="{5B60E164-4364-3441-BA83-2CF3942ACF8D}" type="datetimeFigureOut">
               <a:rPr lang="en-US" smtClean="0"/>
-              <a:t>4/4/16</a:t>
+              <a:t>4/11/16</a:t>
             </a:fld>
             <a:endParaRPr lang="en-US"/>
           </a:p>
@@ -652,7 +652,7 @@
           <a:p>
             <a:fld id="{5B60E164-4364-3441-BA83-2CF3942ACF8D}" type="datetimeFigureOut">
               <a:rPr lang="en-US" smtClean="0"/>
-              <a:t>4/4/16</a:t>
+              <a:t>4/11/16</a:t>
             </a:fld>
             <a:endParaRPr lang="en-US"/>
           </a:p>
@@ -822,7 +822,7 @@
           <a:p>
             <a:fld id="{5B60E164-4364-3441-BA83-2CF3942ACF8D}" type="datetimeFigureOut">
               <a:rPr lang="en-US" smtClean="0"/>
-              <a:t>4/4/16</a:t>
+              <a:t>4/11/16</a:t>
             </a:fld>
             <a:endParaRPr lang="en-US"/>
           </a:p>
@@ -1068,7 +1068,7 @@
           <a:p>
             <a:fld id="{5B60E164-4364-3441-BA83-2CF3942ACF8D}" type="datetimeFigureOut">
               <a:rPr lang="en-US" smtClean="0"/>
-              <a:t>4/4/16</a:t>
+              <a:t>4/11/16</a:t>
             </a:fld>
             <a:endParaRPr lang="en-US"/>
           </a:p>
@@ -1356,7 +1356,7 @@
           <a:p>
             <a:fld id="{5B60E164-4364-3441-BA83-2CF3942ACF8D}" type="datetimeFigureOut">
               <a:rPr lang="en-US" smtClean="0"/>
-              <a:t>4/4/16</a:t>
+              <a:t>4/11/16</a:t>
             </a:fld>
             <a:endParaRPr lang="en-US"/>
           </a:p>
@@ -1778,7 +1778,7 @@
           <a:p>
             <a:fld id="{5B60E164-4364-3441-BA83-2CF3942ACF8D}" type="datetimeFigureOut">
               <a:rPr lang="en-US" smtClean="0"/>
-              <a:t>4/4/16</a:t>
+              <a:t>4/11/16</a:t>
             </a:fld>
             <a:endParaRPr lang="en-US"/>
           </a:p>
@@ -1896,7 +1896,7 @@
           <a:p>
             <a:fld id="{5B60E164-4364-3441-BA83-2CF3942ACF8D}" type="datetimeFigureOut">
               <a:rPr lang="en-US" smtClean="0"/>
-              <a:t>4/4/16</a:t>
+              <a:t>4/11/16</a:t>
             </a:fld>
             <a:endParaRPr lang="en-US"/>
           </a:p>
@@ -1991,7 +1991,7 @@
           <a:p>
             <a:fld id="{5B60E164-4364-3441-BA83-2CF3942ACF8D}" type="datetimeFigureOut">
               <a:rPr lang="en-US" smtClean="0"/>
-              <a:t>4/4/16</a:t>
+              <a:t>4/11/16</a:t>
             </a:fld>
             <a:endParaRPr lang="en-US"/>
           </a:p>
@@ -2268,7 +2268,7 @@
           <a:p>
             <a:fld id="{5B60E164-4364-3441-BA83-2CF3942ACF8D}" type="datetimeFigureOut">
               <a:rPr lang="en-US" smtClean="0"/>
-              <a:t>4/4/16</a:t>
+              <a:t>4/11/16</a:t>
             </a:fld>
             <a:endParaRPr lang="en-US"/>
           </a:p>
@@ -2521,7 +2521,7 @@
           <a:p>
             <a:fld id="{5B60E164-4364-3441-BA83-2CF3942ACF8D}" type="datetimeFigureOut">
               <a:rPr lang="en-US" smtClean="0"/>
-              <a:t>4/4/16</a:t>
+              <a:t>4/11/16</a:t>
             </a:fld>
             <a:endParaRPr lang="en-US"/>
           </a:p>
@@ -2734,7 +2734,7 @@
           <a:p>
             <a:fld id="{5B60E164-4364-3441-BA83-2CF3942ACF8D}" type="datetimeFigureOut">
               <a:rPr lang="en-US" smtClean="0"/>
-              <a:t>4/4/16</a:t>
+              <a:t>4/11/16</a:t>
             </a:fld>
             <a:endParaRPr lang="en-US"/>
           </a:p>
@@ -3127,29 +3127,37 @@
         </p:spPr>
         <p:txBody>
           <a:bodyPr>
-            <a:normAutofit fontScale="90000"/>
+            <a:normAutofit/>
           </a:bodyPr>
           <a:lstStyle/>
           <a:p>
             <a:r>
-              <a:rPr lang="en-US" sz="6000" dirty="0" smtClean="0"/>
+              <a:rPr lang="en-US" sz="3600" dirty="0" err="1"/>
+              <a:t>DevOps</a:t>
+            </a:r>
+            <a:r>
+              <a:rPr lang="en-US" sz="3600" dirty="0"/>
+              <a:t> &amp; Cloud Infrastructure</a:t>
+            </a:r>
+            <a:br>
+              <a:rPr lang="en-US" sz="3600" dirty="0"/>
+            </a:br>
+            <a:r>
+              <a:rPr lang="en-US" sz="3600" dirty="0"/>
               <a:t>SEIS 6XX</a:t>
             </a:r>
             <a:br>
-              <a:rPr lang="en-US" sz="6000" dirty="0" smtClean="0"/>
+              <a:rPr lang="en-US" sz="3600" dirty="0"/>
             </a:br>
             <a:r>
-              <a:rPr lang="en-US" sz="6000" dirty="0" smtClean="0"/>
-              <a:t>IT Infrastructure</a:t>
-            </a:r>
-            <a:br>
-              <a:rPr lang="en-US" sz="6000" dirty="0" smtClean="0"/>
-            </a:br>
-            <a:r>
-              <a:rPr lang="en-US" sz="6000" dirty="0" smtClean="0"/>
-              <a:t>Week 2</a:t>
-            </a:r>
-            <a:endParaRPr lang="en-US" sz="6000" dirty="0"/>
+              <a:rPr lang="en-US" sz="3600" dirty="0"/>
+              <a:t>Week </a:t>
+            </a:r>
+            <a:r>
+              <a:rPr lang="en-US" sz="3600" dirty="0" smtClean="0"/>
+              <a:t>2</a:t>
+            </a:r>
+            <a:endParaRPr lang="en-US" sz="3600" dirty="0"/>
           </a:p>
         </p:txBody>
       </p:sp>
@@ -3207,6 +3215,30 @@
           </a:p>
         </p:txBody>
       </p:sp>
+      <p:pic>
+        <p:nvPicPr>
+          <p:cNvPr id="4" name="Picture 3"/>
+          <p:cNvPicPr>
+            <a:picLocks noChangeAspect="1"/>
+          </p:cNvPicPr>
+          <p:nvPr/>
+        </p:nvPicPr>
+        <p:blipFill>
+          <a:blip r:embed="rId2"/>
+          <a:stretch>
+            <a:fillRect/>
+          </a:stretch>
+        </p:blipFill>
+        <p:spPr>
+          <a:xfrm>
+            <a:off x="5918200" y="3274797"/>
+            <a:ext cx="2540000" cy="2540000"/>
+          </a:xfrm>
+          <a:prstGeom prst="rect">
+            <a:avLst/>
+          </a:prstGeom>
+        </p:spPr>
+      </p:pic>
     </p:spTree>
     <p:extLst>
       <p:ext uri="{BB962C8B-B14F-4D97-AF65-F5344CB8AC3E}">
@@ -3330,6 +3362,29 @@
           </a:p>
         </p:txBody>
       </p:sp>
+      <p:pic>
+        <p:nvPicPr>
+          <p:cNvPr id="4" name="Picture 3"/>
+          <p:cNvPicPr>
+            <a:picLocks noChangeAspect="1"/>
+          </p:cNvPicPr>
+          <p:nvPr/>
+        </p:nvPicPr>
+        <p:blipFill rotWithShape="1">
+          <a:blip r:embed="rId2"/>
+          <a:srcRect l="22557" t="28750" r="18881" b="25491"/>
+          <a:stretch/>
+        </p:blipFill>
+        <p:spPr>
+          <a:xfrm>
+            <a:off x="6473952" y="310896"/>
+            <a:ext cx="1673352" cy="1307592"/>
+          </a:xfrm>
+          <a:prstGeom prst="rect">
+            <a:avLst/>
+          </a:prstGeom>
+        </p:spPr>
+      </p:pic>
     </p:spTree>
     <p:extLst>
       <p:ext uri="{BB962C8B-B14F-4D97-AF65-F5344CB8AC3E}">
@@ -3499,6 +3554,30 @@
           </a:p>
         </p:txBody>
       </p:sp>
+      <p:pic>
+        <p:nvPicPr>
+          <p:cNvPr id="4" name="Picture 3"/>
+          <p:cNvPicPr>
+            <a:picLocks noChangeAspect="1"/>
+          </p:cNvPicPr>
+          <p:nvPr/>
+        </p:nvPicPr>
+        <p:blipFill>
+          <a:blip r:embed="rId4"/>
+          <a:stretch>
+            <a:fillRect/>
+          </a:stretch>
+        </p:blipFill>
+        <p:spPr>
+          <a:xfrm>
+            <a:off x="7172910" y="4605631"/>
+            <a:ext cx="1365137" cy="1365137"/>
+          </a:xfrm>
+          <a:prstGeom prst="rect">
+            <a:avLst/>
+          </a:prstGeom>
+        </p:spPr>
+      </p:pic>
     </p:spTree>
     <p:extLst>
       <p:ext uri="{BB962C8B-B14F-4D97-AF65-F5344CB8AC3E}">
@@ -3594,6 +3673,30 @@
           </a:p>
         </p:txBody>
       </p:sp>
+      <p:pic>
+        <p:nvPicPr>
+          <p:cNvPr id="4" name="Picture 3"/>
+          <p:cNvPicPr>
+            <a:picLocks noChangeAspect="1"/>
+          </p:cNvPicPr>
+          <p:nvPr/>
+        </p:nvPicPr>
+        <p:blipFill>
+          <a:blip r:embed="rId2"/>
+          <a:stretch>
+            <a:fillRect/>
+          </a:stretch>
+        </p:blipFill>
+        <p:spPr>
+          <a:xfrm>
+            <a:off x="7268698" y="403586"/>
+            <a:ext cx="1040731" cy="1040731"/>
+          </a:xfrm>
+          <a:prstGeom prst="rect">
+            <a:avLst/>
+          </a:prstGeom>
+        </p:spPr>
+      </p:pic>
     </p:spTree>
     <p:extLst>
       <p:ext uri="{BB962C8B-B14F-4D97-AF65-F5344CB8AC3E}">
@@ -3664,7 +3767,7 @@
         <p:spPr/>
         <p:txBody>
           <a:bodyPr>
-            <a:normAutofit fontScale="92500" lnSpcReduction="20000"/>
+            <a:normAutofit fontScale="77500" lnSpcReduction="20000"/>
           </a:bodyPr>
           <a:lstStyle/>
           <a:p>
@@ -3678,6 +3781,9 @@
             </a:r>
           </a:p>
           <a:p>
+            <a:endParaRPr lang="en-US" dirty="0" smtClean="0"/>
+          </a:p>
+          <a:p>
             <a:r>
               <a:rPr lang="en-US" dirty="0" err="1" smtClean="0"/>
               <a:t>Git</a:t>
@@ -3701,6 +3807,10 @@
               <a:rPr lang="en-US" dirty="0" smtClean="0"/>
               <a:t> workflow</a:t>
             </a:r>
+          </a:p>
+          <a:p>
+            <a:pPr lvl="1"/>
+            <a:endParaRPr lang="en-US" dirty="0" smtClean="0"/>
           </a:p>
           <a:p>
             <a:r>
@@ -3784,9 +3894,54 @@
           <a:chExt cx="0" cy="0"/>
         </a:xfrm>
       </p:grpSpPr>
+      <p:sp>
+        <p:nvSpPr>
+          <p:cNvPr id="5" name="TextBox 4"/>
+          <p:cNvSpPr txBox="1"/>
+          <p:nvPr/>
+        </p:nvSpPr>
+        <p:spPr>
+          <a:xfrm>
+            <a:off x="5839313" y="6313194"/>
+            <a:ext cx="3163809" cy="246221"/>
+          </a:xfrm>
+          <a:prstGeom prst="rect">
+            <a:avLst/>
+          </a:prstGeom>
+          <a:noFill/>
+        </p:spPr>
+        <p:txBody>
+          <a:bodyPr wrap="none" rtlCol="0">
+            <a:spAutoFit/>
+          </a:bodyPr>
+          <a:lstStyle/>
+          <a:p>
+            <a:r>
+              <a:rPr lang="en-US" sz="1000" dirty="0"/>
+              <a:t>http://</a:t>
+            </a:r>
+            <a:r>
+              <a:rPr lang="en-US" sz="1000" dirty="0" err="1"/>
+              <a:t>nvie.com</a:t>
+            </a:r>
+            <a:r>
+              <a:rPr lang="en-US" sz="1000" dirty="0"/>
+              <a:t>/posts/a-successful-</a:t>
+            </a:r>
+            <a:r>
+              <a:rPr lang="en-US" sz="1000" dirty="0" err="1"/>
+              <a:t>git</a:t>
+            </a:r>
+            <a:r>
+              <a:rPr lang="en-US" sz="1000" dirty="0"/>
+              <a:t>-branching-model/</a:t>
+            </a:r>
+          </a:p>
+        </p:txBody>
+      </p:sp>
       <p:pic>
         <p:nvPicPr>
-          <p:cNvPr id="4" name="Picture 3"/>
+          <p:cNvPr id="2" name="Picture 1"/>
           <p:cNvPicPr>
             <a:picLocks noChangeAspect="1"/>
           </p:cNvPicPr>
@@ -3800,59 +3955,14 @@
         </p:blipFill>
         <p:spPr>
           <a:xfrm>
-            <a:off x="1441074" y="0"/>
-            <a:ext cx="5175000" cy="6858000"/>
+            <a:off x="673100" y="1016000"/>
+            <a:ext cx="7797800" cy="4826000"/>
           </a:xfrm>
           <a:prstGeom prst="rect">
             <a:avLst/>
           </a:prstGeom>
         </p:spPr>
       </p:pic>
-      <p:sp>
-        <p:nvSpPr>
-          <p:cNvPr id="5" name="TextBox 4"/>
-          <p:cNvSpPr txBox="1"/>
-          <p:nvPr/>
-        </p:nvSpPr>
-        <p:spPr>
-          <a:xfrm>
-            <a:off x="5839313" y="6313194"/>
-            <a:ext cx="3163809" cy="246221"/>
-          </a:xfrm>
-          <a:prstGeom prst="rect">
-            <a:avLst/>
-          </a:prstGeom>
-          <a:noFill/>
-        </p:spPr>
-        <p:txBody>
-          <a:bodyPr wrap="none" rtlCol="0">
-            <a:spAutoFit/>
-          </a:bodyPr>
-          <a:lstStyle/>
-          <a:p>
-            <a:r>
-              <a:rPr lang="en-US" sz="1000" dirty="0"/>
-              <a:t>http://</a:t>
-            </a:r>
-            <a:r>
-              <a:rPr lang="en-US" sz="1000" dirty="0" err="1"/>
-              <a:t>nvie.com</a:t>
-            </a:r>
-            <a:r>
-              <a:rPr lang="en-US" sz="1000" dirty="0"/>
-              <a:t>/posts/a-successful-</a:t>
-            </a:r>
-            <a:r>
-              <a:rPr lang="en-US" sz="1000" dirty="0" err="1"/>
-              <a:t>git</a:t>
-            </a:r>
-            <a:r>
-              <a:rPr lang="en-US" sz="1000" dirty="0"/>
-              <a:t>-branching-model/</a:t>
-            </a:r>
-          </a:p>
-        </p:txBody>
-      </p:sp>
     </p:spTree>
     <p:extLst>
       <p:ext uri="{BB962C8B-B14F-4D97-AF65-F5344CB8AC3E}">
@@ -3977,6 +4087,30 @@
           </a:p>
         </p:txBody>
       </p:sp>
+      <p:pic>
+        <p:nvPicPr>
+          <p:cNvPr id="4" name="Picture 3"/>
+          <p:cNvPicPr>
+            <a:picLocks noChangeAspect="1"/>
+          </p:cNvPicPr>
+          <p:nvPr/>
+        </p:nvPicPr>
+        <p:blipFill>
+          <a:blip r:embed="rId2"/>
+          <a:stretch>
+            <a:fillRect/>
+          </a:stretch>
+        </p:blipFill>
+        <p:spPr>
+          <a:xfrm>
+            <a:off x="7267857" y="3359263"/>
+            <a:ext cx="1658320" cy="1658320"/>
+          </a:xfrm>
+          <a:prstGeom prst="rect">
+            <a:avLst/>
+          </a:prstGeom>
+        </p:spPr>
+      </p:pic>
     </p:spTree>
     <p:extLst>
       <p:ext uri="{BB962C8B-B14F-4D97-AF65-F5344CB8AC3E}">
@@ -4074,6 +4208,30 @@
           </a:p>
         </p:txBody>
       </p:sp>
+      <p:pic>
+        <p:nvPicPr>
+          <p:cNvPr id="4" name="Picture 3"/>
+          <p:cNvPicPr>
+            <a:picLocks noChangeAspect="1"/>
+          </p:cNvPicPr>
+          <p:nvPr/>
+        </p:nvPicPr>
+        <p:blipFill>
+          <a:blip r:embed="rId2"/>
+          <a:stretch>
+            <a:fillRect/>
+          </a:stretch>
+        </p:blipFill>
+        <p:spPr>
+          <a:xfrm>
+            <a:off x="5791282" y="1600200"/>
+            <a:ext cx="2641600" cy="3073400"/>
+          </a:xfrm>
+          <a:prstGeom prst="rect">
+            <a:avLst/>
+          </a:prstGeom>
+        </p:spPr>
+      </p:pic>
     </p:spTree>
     <p:extLst>
       <p:ext uri="{BB962C8B-B14F-4D97-AF65-F5344CB8AC3E}">
@@ -4121,7 +4279,7 @@
           <a:p>
             <a:r>
               <a:rPr lang="en-US" dirty="0" smtClean="0"/>
-              <a:t>Readings</a:t>
+              <a:t>Automation</a:t>
             </a:r>
             <a:endParaRPr lang="en-US" dirty="0"/>
           </a:p>
@@ -4137,10 +4295,15 @@
             <p:ph idx="1"/>
           </p:nvPr>
         </p:nvSpPr>
-        <p:spPr/>
+        <p:spPr>
+          <a:xfrm>
+            <a:off x="457200" y="1600200"/>
+            <a:ext cx="6617048" cy="4525963"/>
+          </a:xfrm>
+        </p:spPr>
         <p:txBody>
           <a:bodyPr>
-            <a:normAutofit/>
+            <a:normAutofit lnSpcReduction="10000"/>
           </a:bodyPr>
           <a:lstStyle/>
           <a:p>
@@ -4166,9 +4329,13 @@
           </a:p>
           <a:p>
             <a:pPr lvl="1"/>
-            <a:r>
-              <a:rPr lang="en-US" dirty="0" smtClean="0"/>
-              <a:t>Automation pipeline:</a:t>
+            <a:endParaRPr lang="en-US" dirty="0" smtClean="0"/>
+          </a:p>
+          <a:p>
+            <a:pPr lvl="1"/>
+            <a:r>
+              <a:rPr lang="en-US" dirty="0" smtClean="0"/>
+              <a:t>Example: Software build pipeline</a:t>
             </a:r>
           </a:p>
           <a:p>
@@ -4214,8 +4381,8 @@
         </p:blipFill>
         <p:spPr>
           <a:xfrm>
-            <a:off x="7353904" y="274638"/>
-            <a:ext cx="1118809" cy="1465316"/>
+            <a:off x="6824988" y="274637"/>
+            <a:ext cx="2172126" cy="2844857"/>
           </a:xfrm>
           <a:prstGeom prst="rect">
             <a:avLst/>
@@ -4269,7 +4436,7 @@
           <a:p>
             <a:r>
               <a:rPr lang="en-US" dirty="0" smtClean="0"/>
-              <a:t>Readings</a:t>
+              <a:t>Automation</a:t>
             </a:r>
             <a:endParaRPr lang="en-US" dirty="0"/>
           </a:p>
@@ -4366,6 +4533,30 @@
           </a:p>
         </p:txBody>
       </p:sp>
+      <p:pic>
+        <p:nvPicPr>
+          <p:cNvPr id="4" name="Picture 3"/>
+          <p:cNvPicPr>
+            <a:picLocks noChangeAspect="1"/>
+          </p:cNvPicPr>
+          <p:nvPr/>
+        </p:nvPicPr>
+        <p:blipFill>
+          <a:blip r:embed="rId2"/>
+          <a:stretch>
+            <a:fillRect/>
+          </a:stretch>
+        </p:blipFill>
+        <p:spPr>
+          <a:xfrm>
+            <a:off x="6518890" y="439195"/>
+            <a:ext cx="1781399" cy="1451801"/>
+          </a:xfrm>
+          <a:prstGeom prst="rect">
+            <a:avLst/>
+          </a:prstGeom>
+        </p:spPr>
+      </p:pic>
     </p:spTree>
     <p:extLst>
       <p:ext uri="{BB962C8B-B14F-4D97-AF65-F5344CB8AC3E}">
@@ -4413,7 +4604,7 @@
           <a:p>
             <a:r>
               <a:rPr lang="en-US" dirty="0" smtClean="0"/>
-              <a:t>Readings</a:t>
+              <a:t>Automation</a:t>
             </a:r>
             <a:endParaRPr lang="en-US" dirty="0"/>
           </a:p>
@@ -4545,7 +4736,7 @@
           <a:p>
             <a:r>
               <a:rPr lang="en-US" dirty="0" smtClean="0"/>
-              <a:t>Readings</a:t>
+              <a:t>Automation goals</a:t>
             </a:r>
             <a:endParaRPr lang="en-US" dirty="0"/>
           </a:p>
@@ -4564,15 +4755,9 @@
         <p:spPr/>
         <p:txBody>
           <a:bodyPr>
-            <a:normAutofit/>
+            <a:normAutofit fontScale="92500" lnSpcReduction="20000"/>
           </a:bodyPr>
           <a:lstStyle/>
-          <a:p>
-            <a:r>
-              <a:rPr lang="en-US" dirty="0" smtClean="0"/>
-              <a:t>Goals of automation:</a:t>
-            </a:r>
-          </a:p>
           <a:p>
             <a:pPr lvl="1"/>
             <a:r>
@@ -4586,6 +4771,10 @@
           </a:p>
           <a:p>
             <a:pPr lvl="1"/>
+            <a:endParaRPr lang="en-US" dirty="0" smtClean="0"/>
+          </a:p>
+          <a:p>
+            <a:pPr lvl="1"/>
             <a:r>
               <a:rPr lang="en-US" b="1" dirty="0" smtClean="0"/>
               <a:t>Improve accuracy/ repeatability</a:t>
@@ -4597,6 +4786,10 @@
           </a:p>
           <a:p>
             <a:pPr lvl="1"/>
+            <a:endParaRPr lang="en-US" dirty="0" smtClean="0"/>
+          </a:p>
+          <a:p>
+            <a:pPr lvl="1"/>
             <a:r>
               <a:rPr lang="en-US" b="1" dirty="0" smtClean="0"/>
               <a:t>Save time</a:t>
@@ -4608,6 +4801,10 @@
           </a:p>
           <a:p>
             <a:pPr lvl="1"/>
+            <a:endParaRPr lang="en-US" dirty="0" smtClean="0"/>
+          </a:p>
+          <a:p>
+            <a:pPr lvl="1"/>
             <a:r>
               <a:rPr lang="en-US" b="1" dirty="0" smtClean="0"/>
               <a:t>Make processes safer</a:t>
@@ -4619,6 +4816,10 @@
           </a:p>
           <a:p>
             <a:pPr lvl="1"/>
+            <a:endParaRPr lang="en-US" dirty="0" smtClean="0"/>
+          </a:p>
+          <a:p>
+            <a:pPr lvl="1"/>
             <a:r>
               <a:rPr lang="en-US" b="1" dirty="0" smtClean="0"/>
               <a:t>Empower users</a:t>
@@ -4637,6 +4838,30 @@
           </a:p>
         </p:txBody>
       </p:sp>
+      <p:pic>
+        <p:nvPicPr>
+          <p:cNvPr id="4" name="Picture 3"/>
+          <p:cNvPicPr>
+            <a:picLocks noChangeAspect="1"/>
+          </p:cNvPicPr>
+          <p:nvPr/>
+        </p:nvPicPr>
+        <p:blipFill>
+          <a:blip r:embed="rId2"/>
+          <a:stretch>
+            <a:fillRect/>
+          </a:stretch>
+        </p:blipFill>
+        <p:spPr>
+          <a:xfrm>
+            <a:off x="6963468" y="274638"/>
+            <a:ext cx="1883853" cy="1883853"/>
+          </a:xfrm>
+          <a:prstGeom prst="rect">
+            <a:avLst/>
+          </a:prstGeom>
+        </p:spPr>
+      </p:pic>
     </p:spTree>
     <p:extLst>
       <p:ext uri="{BB962C8B-B14F-4D97-AF65-F5344CB8AC3E}">
@@ -4684,7 +4909,7 @@
           <a:p>
             <a:r>
               <a:rPr lang="en-US" dirty="0" smtClean="0"/>
-              <a:t>Readings</a:t>
+              <a:t>Automation</a:t>
             </a:r>
             <a:endParaRPr lang="en-US" dirty="0"/>
           </a:p>
@@ -4801,29 +5026,6 @@
         </p:nvSpPr>
         <p:spPr/>
         <p:txBody>
-          <a:bodyPr/>
-          <a:lstStyle/>
-          <a:p>
-            <a:r>
-              <a:rPr lang="en-US" dirty="0" smtClean="0"/>
-              <a:t>Linux</a:t>
-            </a:r>
-            <a:endParaRPr lang="en-US" dirty="0"/>
-          </a:p>
-        </p:txBody>
-      </p:sp>
-      <p:sp>
-        <p:nvSpPr>
-          <p:cNvPr id="3" name="Content Placeholder 2"/>
-          <p:cNvSpPr>
-            <a:spLocks noGrp="1"/>
-          </p:cNvSpPr>
-          <p:nvPr>
-            <p:ph idx="1"/>
-          </p:nvPr>
-        </p:nvSpPr>
-        <p:spPr/>
-        <p:txBody>
           <a:bodyPr>
             <a:normAutofit/>
           </a:bodyPr>
@@ -4831,38 +5033,74 @@
           <a:p>
             <a:r>
               <a:rPr lang="en-US" dirty="0" smtClean="0"/>
-              <a:t>Why Linux? </a:t>
-            </a:r>
-          </a:p>
-          <a:p>
-            <a:pPr lvl="1"/>
-            <a:r>
-              <a:rPr lang="en-US" dirty="0" smtClean="0"/>
-              <a:t>Most common platform for modern distributed applications</a:t>
-            </a:r>
-          </a:p>
-          <a:p>
-            <a:pPr lvl="1"/>
-            <a:r>
-              <a:rPr lang="en-US" dirty="0" smtClean="0"/>
-              <a:t>Automation starts at the command line, not the GUI</a:t>
-            </a:r>
-          </a:p>
-          <a:p>
-            <a:r>
-              <a:rPr lang="en-US" dirty="0" smtClean="0"/>
-              <a:t>Caveat: It’s not possible to learn Linux in a few hours. Plan to invest meaningful time outside of class if you aren’t already familiar with it. </a:t>
-            </a:r>
-          </a:p>
-          <a:p>
-            <a:endParaRPr lang="en-US" dirty="0" smtClean="0"/>
-          </a:p>
-          <a:p>
-            <a:endParaRPr lang="en-US" dirty="0" smtClean="0"/>
-          </a:p>
-          <a:p>
-            <a:pPr lvl="1"/>
-            <a:endParaRPr lang="en-US" dirty="0" smtClean="0"/>
+              <a:t>Linux</a:t>
+            </a:r>
+            <a:endParaRPr lang="en-US" dirty="0"/>
+          </a:p>
+        </p:txBody>
+      </p:sp>
+      <p:sp>
+        <p:nvSpPr>
+          <p:cNvPr id="3" name="Content Placeholder 2"/>
+          <p:cNvSpPr>
+            <a:spLocks noGrp="1"/>
+          </p:cNvSpPr>
+          <p:nvPr>
+            <p:ph idx="1"/>
+          </p:nvPr>
+        </p:nvSpPr>
+        <p:spPr/>
+        <p:txBody>
+          <a:bodyPr>
+            <a:normAutofit lnSpcReduction="10000"/>
+          </a:bodyPr>
+          <a:lstStyle/>
+          <a:p>
+            <a:r>
+              <a:rPr lang="en-US" dirty="0" smtClean="0"/>
+              <a:t>History</a:t>
+            </a:r>
+          </a:p>
+          <a:p>
+            <a:pPr lvl="1"/>
+            <a:r>
+              <a:rPr lang="en-US" dirty="0" smtClean="0"/>
+              <a:t>Started by Linus Torvalds in 1991</a:t>
+            </a:r>
+          </a:p>
+          <a:p>
+            <a:pPr lvl="1"/>
+            <a:r>
+              <a:rPr lang="en-US" dirty="0" smtClean="0"/>
+              <a:t>Inspired by Unix, developed at AT&amp;T in 1970s</a:t>
+            </a:r>
+          </a:p>
+          <a:p>
+            <a:pPr lvl="1"/>
+            <a:r>
+              <a:rPr lang="en-US" dirty="0" smtClean="0"/>
+              <a:t>Linux is not Unix, but uses same concepts</a:t>
+            </a:r>
+          </a:p>
+          <a:p>
+            <a:pPr lvl="1"/>
+            <a:r>
+              <a:rPr lang="en-US" dirty="0" smtClean="0"/>
+              <a:t>Open Source Software (General Public License)</a:t>
+            </a:r>
+          </a:p>
+          <a:p>
+            <a:r>
+              <a:rPr lang="en-US" dirty="0" smtClean="0"/>
+              <a:t>Runs on cells phones to largest supercomputers</a:t>
+            </a:r>
+          </a:p>
+          <a:p>
+            <a:r>
+              <a:rPr lang="en-US" dirty="0" smtClean="0"/>
+              <a:t>Perfect for supporting service-based application architecture in the cloud</a:t>
+            </a:r>
+            <a:endParaRPr lang="en-US" dirty="0"/>
           </a:p>
         </p:txBody>
       </p:sp>
@@ -4882,8 +5120,8 @@
         </p:blipFill>
         <p:spPr>
           <a:xfrm>
-            <a:off x="5946751" y="274638"/>
-            <a:ext cx="1709536" cy="1983062"/>
+            <a:off x="6930759" y="432268"/>
+            <a:ext cx="1449139" cy="1686017"/>
           </a:xfrm>
           <a:prstGeom prst="rect">
             <a:avLst/>
@@ -4893,7 +5131,7 @@
     </p:spTree>
     <p:extLst>
       <p:ext uri="{BB962C8B-B14F-4D97-AF65-F5344CB8AC3E}">
-        <p14:creationId xmlns:p14="http://schemas.microsoft.com/office/powerpoint/2010/main" val="3727470488"/>
+        <p14:creationId xmlns:p14="http://schemas.microsoft.com/office/powerpoint/2010/main" val="3312454313"/>
       </p:ext>
     </p:extLst>
   </p:cSld>
@@ -4932,88 +5170,90 @@
         </p:nvSpPr>
         <p:spPr/>
         <p:txBody>
+          <a:bodyPr/>
+          <a:lstStyle/>
+          <a:p>
+            <a:r>
+              <a:rPr lang="en-US" dirty="0" smtClean="0"/>
+              <a:t>Linux</a:t>
+            </a:r>
+            <a:endParaRPr lang="en-US" dirty="0"/>
+          </a:p>
+        </p:txBody>
+      </p:sp>
+      <p:sp>
+        <p:nvSpPr>
+          <p:cNvPr id="3" name="Content Placeholder 2"/>
+          <p:cNvSpPr>
+            <a:spLocks noGrp="1"/>
+          </p:cNvSpPr>
+          <p:nvPr>
+            <p:ph idx="1"/>
+          </p:nvPr>
+        </p:nvSpPr>
+        <p:spPr/>
+        <p:txBody>
           <a:bodyPr>
-            <a:normAutofit/>
+            <a:normAutofit fontScale="92500"/>
           </a:bodyPr>
           <a:lstStyle/>
           <a:p>
             <a:r>
               <a:rPr lang="en-US" dirty="0" smtClean="0"/>
-              <a:t>Linux</a:t>
-            </a:r>
-            <a:endParaRPr lang="en-US" dirty="0"/>
-          </a:p>
-        </p:txBody>
-      </p:sp>
-      <p:sp>
-        <p:nvSpPr>
-          <p:cNvPr id="3" name="Content Placeholder 2"/>
-          <p:cNvSpPr>
-            <a:spLocks noGrp="1"/>
-          </p:cNvSpPr>
-          <p:nvPr>
-            <p:ph idx="1"/>
-          </p:nvPr>
-        </p:nvSpPr>
-        <p:spPr/>
-        <p:txBody>
-          <a:bodyPr>
-            <a:normAutofit lnSpcReduction="10000"/>
-          </a:bodyPr>
-          <a:lstStyle/>
-          <a:p>
-            <a:r>
-              <a:rPr lang="en-US" dirty="0" smtClean="0"/>
-              <a:t>History</a:t>
-            </a:r>
-          </a:p>
-          <a:p>
-            <a:pPr lvl="1"/>
-            <a:r>
-              <a:rPr lang="en-US" dirty="0" smtClean="0"/>
-              <a:t>Started by Linus Torvalds in 1991</a:t>
-            </a:r>
-          </a:p>
-          <a:p>
-            <a:pPr lvl="1"/>
-            <a:r>
-              <a:rPr lang="en-US" dirty="0" smtClean="0"/>
-              <a:t>Inspired by Unix, developed at AT&amp;T in 1970s</a:t>
-            </a:r>
-          </a:p>
-          <a:p>
-            <a:pPr lvl="1"/>
-            <a:r>
-              <a:rPr lang="en-US" dirty="0" smtClean="0"/>
-              <a:t>Linux is not Unix, but uses same concepts</a:t>
-            </a:r>
-          </a:p>
-          <a:p>
-            <a:pPr lvl="1"/>
-            <a:r>
-              <a:rPr lang="en-US" dirty="0" smtClean="0"/>
-              <a:t>Open Source Software (General Public License)</a:t>
-            </a:r>
-          </a:p>
-          <a:p>
-            <a:r>
-              <a:rPr lang="en-US" dirty="0" smtClean="0"/>
-              <a:t>Runs on cells phones to largest supercomputers</a:t>
-            </a:r>
-          </a:p>
-          <a:p>
-            <a:r>
-              <a:rPr lang="en-US" dirty="0" smtClean="0"/>
-              <a:t>Perfect for supporting service-based application architecture in the cloud</a:t>
-            </a:r>
-            <a:endParaRPr lang="en-US" dirty="0"/>
+              <a:t>Why Linux? </a:t>
+            </a:r>
+          </a:p>
+          <a:p>
+            <a:pPr lvl="1"/>
+            <a:r>
+              <a:rPr lang="en-US" dirty="0"/>
+              <a:t>C</a:t>
+            </a:r>
+            <a:r>
+              <a:rPr lang="en-US" dirty="0" smtClean="0"/>
+              <a:t>ommon platform for modern distributed applications</a:t>
+            </a:r>
+          </a:p>
+          <a:p>
+            <a:pPr lvl="1"/>
+            <a:r>
+              <a:rPr lang="en-US" dirty="0" smtClean="0"/>
+              <a:t>Automation starts at the command line, not the GUI</a:t>
+            </a:r>
+          </a:p>
+          <a:p>
+            <a:pPr lvl="1"/>
+            <a:endParaRPr lang="en-US" dirty="0" smtClean="0"/>
+          </a:p>
+          <a:p>
+            <a:r>
+              <a:rPr lang="en-US" dirty="0" smtClean="0"/>
+              <a:t>Caveat: It’s not possible to learn Linux in a few hours. </a:t>
+            </a:r>
+          </a:p>
+          <a:p>
+            <a:pPr lvl="1"/>
+            <a:r>
+              <a:rPr lang="en-US" dirty="0" smtClean="0"/>
+              <a:t>Plan to invest meaningful time outside of class if you aren’t already familiar with it. </a:t>
+            </a:r>
+          </a:p>
+          <a:p>
+            <a:endParaRPr lang="en-US" dirty="0" smtClean="0"/>
+          </a:p>
+          <a:p>
+            <a:endParaRPr lang="en-US" dirty="0" smtClean="0"/>
+          </a:p>
+          <a:p>
+            <a:pPr lvl="1"/>
+            <a:endParaRPr lang="en-US" dirty="0" smtClean="0"/>
           </a:p>
         </p:txBody>
       </p:sp>
     </p:spTree>
     <p:extLst>
       <p:ext uri="{BB962C8B-B14F-4D97-AF65-F5344CB8AC3E}">
-        <p14:creationId xmlns:p14="http://schemas.microsoft.com/office/powerpoint/2010/main" val="3312454313"/>
+        <p14:creationId xmlns:p14="http://schemas.microsoft.com/office/powerpoint/2010/main" val="3727470488"/>
       </p:ext>
     </p:extLst>
   </p:cSld>

--- a/infrastructure-week-2.pptx
+++ b/infrastructure-week-2.pptx
@@ -302,7 +302,7 @@
           <a:p>
             <a:fld id="{5B60E164-4364-3441-BA83-2CF3942ACF8D}" type="datetimeFigureOut">
               <a:rPr lang="en-US" smtClean="0"/>
-              <a:t>4/11/16</a:t>
+              <a:t>5/4/16</a:t>
             </a:fld>
             <a:endParaRPr lang="en-US"/>
           </a:p>
@@ -472,7 +472,7 @@
           <a:p>
             <a:fld id="{5B60E164-4364-3441-BA83-2CF3942ACF8D}" type="datetimeFigureOut">
               <a:rPr lang="en-US" smtClean="0"/>
-              <a:t>4/11/16</a:t>
+              <a:t>5/4/16</a:t>
             </a:fld>
             <a:endParaRPr lang="en-US"/>
           </a:p>
@@ -652,7 +652,7 @@
           <a:p>
             <a:fld id="{5B60E164-4364-3441-BA83-2CF3942ACF8D}" type="datetimeFigureOut">
               <a:rPr lang="en-US" smtClean="0"/>
-              <a:t>4/11/16</a:t>
+              <a:t>5/4/16</a:t>
             </a:fld>
             <a:endParaRPr lang="en-US"/>
           </a:p>
@@ -822,7 +822,7 @@
           <a:p>
             <a:fld id="{5B60E164-4364-3441-BA83-2CF3942ACF8D}" type="datetimeFigureOut">
               <a:rPr lang="en-US" smtClean="0"/>
-              <a:t>4/11/16</a:t>
+              <a:t>5/4/16</a:t>
             </a:fld>
             <a:endParaRPr lang="en-US"/>
           </a:p>
@@ -1068,7 +1068,7 @@
           <a:p>
             <a:fld id="{5B60E164-4364-3441-BA83-2CF3942ACF8D}" type="datetimeFigureOut">
               <a:rPr lang="en-US" smtClean="0"/>
-              <a:t>4/11/16</a:t>
+              <a:t>5/4/16</a:t>
             </a:fld>
             <a:endParaRPr lang="en-US"/>
           </a:p>
@@ -1356,7 +1356,7 @@
           <a:p>
             <a:fld id="{5B60E164-4364-3441-BA83-2CF3942ACF8D}" type="datetimeFigureOut">
               <a:rPr lang="en-US" smtClean="0"/>
-              <a:t>4/11/16</a:t>
+              <a:t>5/4/16</a:t>
             </a:fld>
             <a:endParaRPr lang="en-US"/>
           </a:p>
@@ -1778,7 +1778,7 @@
           <a:p>
             <a:fld id="{5B60E164-4364-3441-BA83-2CF3942ACF8D}" type="datetimeFigureOut">
               <a:rPr lang="en-US" smtClean="0"/>
-              <a:t>4/11/16</a:t>
+              <a:t>5/4/16</a:t>
             </a:fld>
             <a:endParaRPr lang="en-US"/>
           </a:p>
@@ -1896,7 +1896,7 @@
           <a:p>
             <a:fld id="{5B60E164-4364-3441-BA83-2CF3942ACF8D}" type="datetimeFigureOut">
               <a:rPr lang="en-US" smtClean="0"/>
-              <a:t>4/11/16</a:t>
+              <a:t>5/4/16</a:t>
             </a:fld>
             <a:endParaRPr lang="en-US"/>
           </a:p>
@@ -1991,7 +1991,7 @@
           <a:p>
             <a:fld id="{5B60E164-4364-3441-BA83-2CF3942ACF8D}" type="datetimeFigureOut">
               <a:rPr lang="en-US" smtClean="0"/>
-              <a:t>4/11/16</a:t>
+              <a:t>5/4/16</a:t>
             </a:fld>
             <a:endParaRPr lang="en-US"/>
           </a:p>
@@ -2268,7 +2268,7 @@
           <a:p>
             <a:fld id="{5B60E164-4364-3441-BA83-2CF3942ACF8D}" type="datetimeFigureOut">
               <a:rPr lang="en-US" smtClean="0"/>
-              <a:t>4/11/16</a:t>
+              <a:t>5/4/16</a:t>
             </a:fld>
             <a:endParaRPr lang="en-US"/>
           </a:p>
@@ -2521,7 +2521,7 @@
           <a:p>
             <a:fld id="{5B60E164-4364-3441-BA83-2CF3942ACF8D}" type="datetimeFigureOut">
               <a:rPr lang="en-US" smtClean="0"/>
-              <a:t>4/11/16</a:t>
+              <a:t>5/4/16</a:t>
             </a:fld>
             <a:endParaRPr lang="en-US"/>
           </a:p>
@@ -2734,7 +2734,7 @@
           <a:p>
             <a:fld id="{5B60E164-4364-3441-BA83-2CF3942ACF8D}" type="datetimeFigureOut">
               <a:rPr lang="en-US" smtClean="0"/>
-              <a:t>4/11/16</a:t>
+              <a:t>5/4/16</a:t>
             </a:fld>
             <a:endParaRPr lang="en-US"/>
           </a:p>
@@ -3143,8 +3143,16 @@
               <a:rPr lang="en-US" sz="3600" dirty="0"/>
             </a:br>
             <a:r>
+              <a:rPr lang="en-US" sz="3600"/>
+              <a:t>SEIS </a:t>
+            </a:r>
+            <a:r>
+              <a:rPr lang="en-US" sz="3600" smtClean="0"/>
+              <a:t>665</a:t>
+            </a:r>
+            <a:r>
               <a:rPr lang="en-US" sz="3600" dirty="0"/>
-              <a:t>SEIS 6XX</a:t>
+              <a:t/>
             </a:r>
             <a:br>
               <a:rPr lang="en-US" sz="3600" dirty="0"/>

--- a/infrastructure-week-2.pptx
+++ b/infrastructure-week-2.pptx
@@ -302,7 +302,7 @@
           <a:p>
             <a:fld id="{5B60E164-4364-3441-BA83-2CF3942ACF8D}" type="datetimeFigureOut">
               <a:rPr lang="en-US" smtClean="0"/>
-              <a:t>5/4/16</a:t>
+              <a:t>8/13/16</a:t>
             </a:fld>
             <a:endParaRPr lang="en-US"/>
           </a:p>
@@ -472,7 +472,7 @@
           <a:p>
             <a:fld id="{5B60E164-4364-3441-BA83-2CF3942ACF8D}" type="datetimeFigureOut">
               <a:rPr lang="en-US" smtClean="0"/>
-              <a:t>5/4/16</a:t>
+              <a:t>8/13/16</a:t>
             </a:fld>
             <a:endParaRPr lang="en-US"/>
           </a:p>
@@ -652,7 +652,7 @@
           <a:p>
             <a:fld id="{5B60E164-4364-3441-BA83-2CF3942ACF8D}" type="datetimeFigureOut">
               <a:rPr lang="en-US" smtClean="0"/>
-              <a:t>5/4/16</a:t>
+              <a:t>8/13/16</a:t>
             </a:fld>
             <a:endParaRPr lang="en-US"/>
           </a:p>
@@ -822,7 +822,7 @@
           <a:p>
             <a:fld id="{5B60E164-4364-3441-BA83-2CF3942ACF8D}" type="datetimeFigureOut">
               <a:rPr lang="en-US" smtClean="0"/>
-              <a:t>5/4/16</a:t>
+              <a:t>8/13/16</a:t>
             </a:fld>
             <a:endParaRPr lang="en-US"/>
           </a:p>
@@ -1068,7 +1068,7 @@
           <a:p>
             <a:fld id="{5B60E164-4364-3441-BA83-2CF3942ACF8D}" type="datetimeFigureOut">
               <a:rPr lang="en-US" smtClean="0"/>
-              <a:t>5/4/16</a:t>
+              <a:t>8/13/16</a:t>
             </a:fld>
             <a:endParaRPr lang="en-US"/>
           </a:p>
@@ -1356,7 +1356,7 @@
           <a:p>
             <a:fld id="{5B60E164-4364-3441-BA83-2CF3942ACF8D}" type="datetimeFigureOut">
               <a:rPr lang="en-US" smtClean="0"/>
-              <a:t>5/4/16</a:t>
+              <a:t>8/13/16</a:t>
             </a:fld>
             <a:endParaRPr lang="en-US"/>
           </a:p>
@@ -1778,7 +1778,7 @@
           <a:p>
             <a:fld id="{5B60E164-4364-3441-BA83-2CF3942ACF8D}" type="datetimeFigureOut">
               <a:rPr lang="en-US" smtClean="0"/>
-              <a:t>5/4/16</a:t>
+              <a:t>8/13/16</a:t>
             </a:fld>
             <a:endParaRPr lang="en-US"/>
           </a:p>
@@ -1896,7 +1896,7 @@
           <a:p>
             <a:fld id="{5B60E164-4364-3441-BA83-2CF3942ACF8D}" type="datetimeFigureOut">
               <a:rPr lang="en-US" smtClean="0"/>
-              <a:t>5/4/16</a:t>
+              <a:t>8/13/16</a:t>
             </a:fld>
             <a:endParaRPr lang="en-US"/>
           </a:p>
@@ -1991,7 +1991,7 @@
           <a:p>
             <a:fld id="{5B60E164-4364-3441-BA83-2CF3942ACF8D}" type="datetimeFigureOut">
               <a:rPr lang="en-US" smtClean="0"/>
-              <a:t>5/4/16</a:t>
+              <a:t>8/13/16</a:t>
             </a:fld>
             <a:endParaRPr lang="en-US"/>
           </a:p>
@@ -2268,7 +2268,7 @@
           <a:p>
             <a:fld id="{5B60E164-4364-3441-BA83-2CF3942ACF8D}" type="datetimeFigureOut">
               <a:rPr lang="en-US" smtClean="0"/>
-              <a:t>5/4/16</a:t>
+              <a:t>8/13/16</a:t>
             </a:fld>
             <a:endParaRPr lang="en-US"/>
           </a:p>
@@ -2521,7 +2521,7 @@
           <a:p>
             <a:fld id="{5B60E164-4364-3441-BA83-2CF3942ACF8D}" type="datetimeFigureOut">
               <a:rPr lang="en-US" smtClean="0"/>
-              <a:t>5/4/16</a:t>
+              <a:t>8/13/16</a:t>
             </a:fld>
             <a:endParaRPr lang="en-US"/>
           </a:p>
@@ -2734,7 +2734,7 @@
           <a:p>
             <a:fld id="{5B60E164-4364-3441-BA83-2CF3942ACF8D}" type="datetimeFigureOut">
               <a:rPr lang="en-US" smtClean="0"/>
-              <a:t>5/4/16</a:t>
+              <a:t>8/13/16</a:t>
             </a:fld>
             <a:endParaRPr lang="en-US"/>
           </a:p>
@@ -3805,16 +3805,13 @@
             <a:pPr lvl="1"/>
             <a:r>
               <a:rPr lang="en-US" dirty="0" smtClean="0"/>
-              <a:t>Not promoting this as the only or best </a:t>
-            </a:r>
-            <a:r>
-              <a:rPr lang="en-US" dirty="0" err="1" smtClean="0"/>
-              <a:t>Git</a:t>
-            </a:r>
-            <a:r>
-              <a:rPr lang="en-US" dirty="0" smtClean="0"/>
-              <a:t> workflow</a:t>
-            </a:r>
+              <a:t>Not promoting this as the only or </a:t>
+            </a:r>
+            <a:r>
+              <a:rPr lang="en-US" dirty="0" smtClean="0"/>
+              <a:t>necessarily best workflow</a:t>
+            </a:r>
+            <a:endParaRPr lang="en-US" dirty="0" smtClean="0"/>
           </a:p>
           <a:p>
             <a:pPr lvl="1"/>
@@ -4055,29 +4052,41 @@
               <a:t>Read </a:t>
             </a:r>
             <a:r>
-              <a:rPr lang="en-US" dirty="0"/>
+              <a:rPr lang="en-US" i="1" dirty="0"/>
               <a:t>Practice of Cloud </a:t>
             </a:r>
             <a:r>
-              <a:rPr lang="en-US" dirty="0" smtClean="0"/>
-              <a:t>Systems </a:t>
-            </a:r>
-            <a:r>
-              <a:rPr lang="en-US" smtClean="0"/>
-              <a:t>Administration Chapter 1</a:t>
+              <a:rPr lang="en-US" i="1" dirty="0" smtClean="0"/>
+              <a:t>Systems Administration </a:t>
+            </a:r>
+            <a:r>
+              <a:rPr lang="en-US" dirty="0" smtClean="0"/>
+              <a:t>Chapter 1</a:t>
+            </a:r>
+          </a:p>
+          <a:p>
+            <a:r>
+              <a:rPr lang="en-US" dirty="0" smtClean="0"/>
+              <a:t>Read </a:t>
+            </a:r>
+            <a:r>
+              <a:rPr lang="en-US" i="1" dirty="0" smtClean="0"/>
+              <a:t>Infrastructure as Code </a:t>
+            </a:r>
+            <a:r>
+              <a:rPr lang="en-US" dirty="0" smtClean="0"/>
+              <a:t>Chapter 1</a:t>
             </a:r>
             <a:endParaRPr lang="en-US" dirty="0" smtClean="0"/>
           </a:p>
           <a:p>
             <a:r>
               <a:rPr lang="en-US" dirty="0" smtClean="0"/>
-              <a:t>Read Web Operations Chapter 15</a:t>
-            </a:r>
-          </a:p>
-          <a:p>
-            <a:r>
-              <a:rPr lang="en-US" dirty="0" smtClean="0"/>
-              <a:t>Finish reading Linux Hands-on Guide</a:t>
+              <a:t>Finish reading </a:t>
+            </a:r>
+            <a:r>
+              <a:rPr lang="en-US" i="1" dirty="0" smtClean="0"/>
+              <a:t>Linux Hands-on Guide</a:t>
             </a:r>
           </a:p>
           <a:p>
@@ -4111,8 +4120,8 @@
         </p:blipFill>
         <p:spPr>
           <a:xfrm>
-            <a:off x="7267857" y="3359263"/>
-            <a:ext cx="1658320" cy="1658320"/>
+            <a:off x="7664719" y="4096064"/>
+            <a:ext cx="1261457" cy="1261457"/>
           </a:xfrm>
           <a:prstGeom prst="rect">
             <a:avLst/>
@@ -4463,7 +4472,7 @@
         <p:spPr/>
         <p:txBody>
           <a:bodyPr>
-            <a:normAutofit fontScale="92500" lnSpcReduction="10000"/>
+            <a:normAutofit fontScale="92500" lnSpcReduction="20000"/>
           </a:bodyPr>
           <a:lstStyle/>
           <a:p>
@@ -4504,8 +4513,16 @@
             <a:pPr lvl="2"/>
             <a:r>
               <a:rPr lang="en-US" dirty="0" smtClean="0"/>
-              <a:t>Difficult/frequent = automate (but maybe acquire)</a:t>
-            </a:r>
+              <a:t>Difficult/frequent = automate (but maybe acquire</a:t>
+            </a:r>
+            <a:r>
+              <a:rPr lang="en-US" dirty="0" smtClean="0"/>
+              <a:t>)</a:t>
+            </a:r>
+          </a:p>
+          <a:p>
+            <a:pPr lvl="2"/>
+            <a:endParaRPr lang="en-US" dirty="0" smtClean="0"/>
           </a:p>
           <a:p>
             <a:pPr lvl="1"/>
@@ -4628,7 +4645,12 @@
             <p:ph idx="1"/>
           </p:nvPr>
         </p:nvSpPr>
-        <p:spPr/>
+        <p:spPr>
+          <a:xfrm>
+            <a:off x="457200" y="1600200"/>
+            <a:ext cx="8229600" cy="4884136"/>
+          </a:xfrm>
+        </p:spPr>
         <p:txBody>
           <a:bodyPr>
             <a:normAutofit fontScale="85000" lnSpcReduction="10000"/>
@@ -4658,8 +4680,16 @@
             <a:pPr lvl="2"/>
             <a:r>
               <a:rPr lang="en-US" dirty="0" smtClean="0"/>
-              <a:t>Try to strike a balance between automation and future growth in learning</a:t>
-            </a:r>
+              <a:t>Try to strike a balance between automation and future growth in </a:t>
+            </a:r>
+            <a:r>
+              <a:rPr lang="en-US" dirty="0" smtClean="0"/>
+              <a:t>learning</a:t>
+            </a:r>
+          </a:p>
+          <a:p>
+            <a:pPr lvl="2"/>
+            <a:endParaRPr lang="en-US" dirty="0" smtClean="0"/>
           </a:p>
           <a:p>
             <a:r>
@@ -4933,10 +4963,15 @@
             <p:ph idx="1"/>
           </p:nvPr>
         </p:nvSpPr>
-        <p:spPr/>
+        <p:spPr>
+          <a:xfrm>
+            <a:off x="457200" y="1600200"/>
+            <a:ext cx="8229600" cy="4726804"/>
+          </a:xfrm>
+        </p:spPr>
         <p:txBody>
           <a:bodyPr>
-            <a:normAutofit lnSpcReduction="10000"/>
+            <a:normAutofit fontScale="92500" lnSpcReduction="10000"/>
           </a:bodyPr>
           <a:lstStyle/>
           <a:p>
@@ -4963,8 +4998,16 @@
             <a:pPr lvl="1"/>
             <a:r>
               <a:rPr lang="en-US" dirty="0" smtClean="0"/>
-              <a:t>Start small and work incrementally, don’t try to automate everything at once</a:t>
-            </a:r>
+              <a:t>Start small and work incrementally, don’t try to automate everything at </a:t>
+            </a:r>
+            <a:r>
+              <a:rPr lang="en-US" dirty="0" smtClean="0"/>
+              <a:t>once</a:t>
+            </a:r>
+          </a:p>
+          <a:p>
+            <a:pPr lvl="1"/>
+            <a:endParaRPr lang="en-US" dirty="0" smtClean="0"/>
           </a:p>
           <a:p>
             <a:r>
@@ -5057,10 +5100,15 @@
             <p:ph idx="1"/>
           </p:nvPr>
         </p:nvSpPr>
-        <p:spPr/>
+        <p:spPr>
+          <a:xfrm>
+            <a:off x="457200" y="1600200"/>
+            <a:ext cx="8229600" cy="4895374"/>
+          </a:xfrm>
+        </p:spPr>
         <p:txBody>
           <a:bodyPr>
-            <a:normAutofit lnSpcReduction="10000"/>
+            <a:normAutofit fontScale="92500" lnSpcReduction="10000"/>
           </a:bodyPr>
           <a:lstStyle/>
           <a:p>
@@ -5094,14 +5142,29 @@
             <a:pPr lvl="1"/>
             <a:r>
               <a:rPr lang="en-US" dirty="0" smtClean="0"/>
-              <a:t>Open Source Software (General Public License)</a:t>
-            </a:r>
-          </a:p>
-          <a:p>
-            <a:r>
-              <a:rPr lang="en-US" dirty="0" smtClean="0"/>
-              <a:t>Runs on cells phones to largest supercomputers</a:t>
-            </a:r>
+              <a:t>Open Source Software (General Public License</a:t>
+            </a:r>
+            <a:r>
+              <a:rPr lang="en-US" dirty="0" smtClean="0"/>
+              <a:t>)</a:t>
+            </a:r>
+          </a:p>
+          <a:p>
+            <a:pPr lvl="1"/>
+            <a:endParaRPr lang="en-US" dirty="0" smtClean="0"/>
+          </a:p>
+          <a:p>
+            <a:r>
+              <a:rPr lang="en-US" dirty="0" smtClean="0"/>
+              <a:t>Runs on cells phones to largest </a:t>
+            </a:r>
+            <a:r>
+              <a:rPr lang="en-US" dirty="0" smtClean="0"/>
+              <a:t>supercomputers</a:t>
+            </a:r>
+          </a:p>
+          <a:p>
+            <a:endParaRPr lang="en-US" dirty="0" smtClean="0"/>
           </a:p>
           <a:p>
             <a:r>
